--- a/ppt/INF1305-TCII-Blockchain-T1-Ownership-14.21526-FlavioSilva-v201108.2214.pptx
+++ b/ppt/INF1305-TCII-Blockchain-T1-Ownership-14.21526-FlavioSilva-v201108.2214.pptx
@@ -19,6 +19,7 @@
     <p:sldId id="264" r:id="rId13"/>
     <p:sldId id="265" r:id="rId14"/>
     <p:sldId id="266" r:id="rId15"/>
+    <p:sldId id="267" r:id="rId16"/>
   </p:sldIdLst>
   <p:sldSz cy="5143500" cx="9144000"/>
   <p:notesSz cx="6858000" cy="9144000"/>
@@ -784,7 +785,7 @@
   <p:cSld>
     <p:spTree>
       <p:nvGrpSpPr>
-        <p:cNvPr id="122" name="Shape 122"/>
+        <p:cNvPr id="125" name="Shape 125"/>
         <p:cNvGrpSpPr/>
         <p:nvPr/>
       </p:nvGrpSpPr>
@@ -798,7 +799,7 @@
       </p:grpSpPr>
       <p:sp>
         <p:nvSpPr>
-          <p:cNvPr id="123" name="Google Shape;123;g9f88bada6c_0_52:notes"/>
+          <p:cNvPr id="126" name="Google Shape;126;g9f88bada6c_1_1:notes"/>
           <p:cNvSpPr/>
           <p:nvPr>
             <p:ph idx="2" type="sldImg"/>
@@ -833,7 +834,7 @@
       </p:sp>
       <p:sp>
         <p:nvSpPr>
-          <p:cNvPr id="124" name="Google Shape;124;g9f88bada6c_0_52:notes"/>
+          <p:cNvPr id="127" name="Google Shape;127;g9f88bada6c_1_1:notes"/>
           <p:cNvSpPr txBox="1"/>
           <p:nvPr>
             <p:ph idx="1" type="body"/>
@@ -883,7 +884,7 @@
   <p:cSld>
     <p:spTree>
       <p:nvGrpSpPr>
-        <p:cNvPr id="131" name="Shape 131"/>
+        <p:cNvPr id="136" name="Shape 136"/>
         <p:cNvGrpSpPr/>
         <p:nvPr/>
       </p:nvGrpSpPr>
@@ -897,7 +898,7 @@
       </p:grpSpPr>
       <p:sp>
         <p:nvSpPr>
-          <p:cNvPr id="132" name="Google Shape;132;g9f88bada6c_0_61:notes"/>
+          <p:cNvPr id="137" name="Google Shape;137;g9f88bada6c_0_52:notes"/>
           <p:cNvSpPr/>
           <p:nvPr>
             <p:ph idx="2" type="sldImg"/>
@@ -932,7 +933,106 @@
       </p:sp>
       <p:sp>
         <p:nvSpPr>
-          <p:cNvPr id="133" name="Google Shape;133;g9f88bada6c_0_61:notes"/>
+          <p:cNvPr id="138" name="Google Shape;138;g9f88bada6c_0_52:notes"/>
+          <p:cNvSpPr txBox="1"/>
+          <p:nvPr>
+            <p:ph idx="1" type="body"/>
+          </p:nvPr>
+        </p:nvSpPr>
+        <p:spPr>
+          <a:xfrm>
+            <a:off x="685800" y="4343400"/>
+            <a:ext cx="5486400" cy="4114800"/>
+          </a:xfrm>
+          <a:prstGeom prst="rect">
+            <a:avLst/>
+          </a:prstGeom>
+        </p:spPr>
+        <p:txBody>
+          <a:bodyPr anchorCtr="0" anchor="t" bIns="91425" lIns="91425" spcFirstLastPara="1" rIns="91425" wrap="square" tIns="91425">
+            <a:noAutofit/>
+          </a:bodyPr>
+          <a:lstStyle/>
+          <a:p>
+            <a:pPr indent="0" lvl="0" marL="0" rtl="0" algn="l">
+              <a:spcBef>
+                <a:spcPts val="0"/>
+              </a:spcBef>
+              <a:spcAft>
+                <a:spcPts val="0"/>
+              </a:spcAft>
+              <a:buNone/>
+            </a:pPr>
+            <a:r>
+              <a:t/>
+            </a:r>
+            <a:endParaRPr/>
+          </a:p>
+        </p:txBody>
+      </p:sp>
+    </p:spTree>
+  </p:cSld>
+  <p:clrMapOvr>
+    <a:masterClrMapping/>
+  </p:clrMapOvr>
+</p:notes>
+</file>
+
+<file path=ppt/notesSlides/notesSlide12.xml><?xml version="1.0" encoding="utf-8"?>
+<p:notes xmlns:a="http://schemas.openxmlformats.org/drawingml/2006/main" xmlns:r="http://schemas.openxmlformats.org/officeDocument/2006/relationships" xmlns:mc="http://schemas.openxmlformats.org/markup-compatibility/2006" xmlns:mv="urn:schemas-microsoft-com:mac:vml" xmlns:p="http://schemas.openxmlformats.org/presentationml/2006/main" xmlns:c="http://schemas.openxmlformats.org/drawingml/2006/chart" xmlns:dgm="http://schemas.openxmlformats.org/drawingml/2006/diagram" xmlns:o="urn:schemas-microsoft-com:office:office" xmlns:v="urn:schemas-microsoft-com:vml" xmlns:pvml="urn:schemas-microsoft-com:office:powerpoint" xmlns:com="http://schemas.openxmlformats.org/drawingml/2006/compatibility" xmlns:p14="http://schemas.microsoft.com/office/powerpoint/2010/main" xmlns:p15="http://schemas.microsoft.com/office/powerpoint/2012/main" xmlns:ahyp="http://schemas.microsoft.com/office/drawing/2018/hyperlinkcolor" showMasterPhAnim="0" showMasterSp="0">
+  <p:cSld>
+    <p:spTree>
+      <p:nvGrpSpPr>
+        <p:cNvPr id="145" name="Shape 145"/>
+        <p:cNvGrpSpPr/>
+        <p:nvPr/>
+      </p:nvGrpSpPr>
+      <p:grpSpPr>
+        <a:xfrm>
+          <a:off x="0" y="0"/>
+          <a:ext cx="0" cy="0"/>
+          <a:chOff x="0" y="0"/>
+          <a:chExt cx="0" cy="0"/>
+        </a:xfrm>
+      </p:grpSpPr>
+      <p:sp>
+        <p:nvSpPr>
+          <p:cNvPr id="146" name="Google Shape;146;g9f88bada6c_0_61:notes"/>
+          <p:cNvSpPr/>
+          <p:nvPr>
+            <p:ph idx="2" type="sldImg"/>
+          </p:nvPr>
+        </p:nvSpPr>
+        <p:spPr>
+          <a:xfrm>
+            <a:off x="381188" y="685800"/>
+            <a:ext cx="6096300" cy="3429000"/>
+          </a:xfrm>
+          <a:custGeom>
+            <a:rect b="b" l="l" r="r" t="t"/>
+            <a:pathLst>
+              <a:path extrusionOk="0" h="120000" w="120000">
+                <a:moveTo>
+                  <a:pt x="0" y="0"/>
+                </a:moveTo>
+                <a:lnTo>
+                  <a:pt x="120000" y="0"/>
+                </a:lnTo>
+                <a:lnTo>
+                  <a:pt x="120000" y="120000"/>
+                </a:lnTo>
+                <a:lnTo>
+                  <a:pt x="0" y="120000"/>
+                </a:lnTo>
+                <a:close/>
+              </a:path>
+            </a:pathLst>
+          </a:custGeom>
+        </p:spPr>
+      </p:sp>
+      <p:sp>
+        <p:nvSpPr>
+          <p:cNvPr id="147" name="Google Shape;147;g9f88bada6c_0_61:notes"/>
           <p:cNvSpPr txBox="1"/>
           <p:nvPr>
             <p:ph idx="1" type="body"/>
@@ -1062,22 +1162,7 @@
               <a:buNone/>
             </a:pPr>
             <a:r>
-              <a:rPr lang="en"/>
-              <a:t>Boa tarde professora, boa tarde pessoal. </a:t>
-            </a:r>
-            <a:br>
-              <a:rPr lang="en"/>
-            </a:br>
-            <a:r>
-              <a:rPr lang="en"/>
-              <a:t>Eu queria pedir desculpas antecipadas pela minha falta de traquejo científico.</a:t>
-            </a:r>
-            <a:br>
-              <a:rPr lang="en"/>
-            </a:br>
-            <a:r>
-              <a:rPr lang="en"/>
-              <a:t>Eu sou pato novo em Pesquisa e eu espero aprender muito com a professora e também com vocês.</a:t>
+              <a:t/>
             </a:r>
             <a:endParaRPr/>
           </a:p>
@@ -1096,7 +1181,7 @@
   <p:cSld>
     <p:spTree>
       <p:nvGrpSpPr>
-        <p:cNvPr id="45" name="Shape 45"/>
+        <p:cNvPr id="48" name="Shape 48"/>
         <p:cNvGrpSpPr/>
         <p:nvPr/>
       </p:nvGrpSpPr>
@@ -1110,7 +1195,7 @@
       </p:grpSpPr>
       <p:sp>
         <p:nvSpPr>
-          <p:cNvPr id="46" name="Google Shape;46;g9f88bada6c_0_4:notes"/>
+          <p:cNvPr id="49" name="Google Shape;49;g9f88bada6c_0_4:notes"/>
           <p:cNvSpPr/>
           <p:nvPr>
             <p:ph idx="2" type="sldImg"/>
@@ -1145,7 +1230,7 @@
       </p:sp>
       <p:sp>
         <p:nvSpPr>
-          <p:cNvPr id="47" name="Google Shape;47;g9f88bada6c_0_4:notes"/>
+          <p:cNvPr id="50" name="Google Shape;50;g9f88bada6c_0_4:notes"/>
           <p:cNvSpPr txBox="1"/>
           <p:nvPr>
             <p:ph idx="1" type="body"/>
@@ -1195,7 +1280,7 @@
   <p:cSld>
     <p:spTree>
       <p:nvGrpSpPr>
-        <p:cNvPr id="56" name="Shape 56"/>
+        <p:cNvPr id="59" name="Shape 59"/>
         <p:cNvGrpSpPr/>
         <p:nvPr/>
       </p:nvGrpSpPr>
@@ -1209,7 +1294,7 @@
       </p:grpSpPr>
       <p:sp>
         <p:nvSpPr>
-          <p:cNvPr id="57" name="Google Shape;57;g9f88bada6c_0_25:notes"/>
+          <p:cNvPr id="60" name="Google Shape;60;g9f88bada6c_0_25:notes"/>
           <p:cNvSpPr/>
           <p:nvPr>
             <p:ph idx="2" type="sldImg"/>
@@ -1244,7 +1329,7 @@
       </p:sp>
       <p:sp>
         <p:nvSpPr>
-          <p:cNvPr id="58" name="Google Shape;58;g9f88bada6c_0_25:notes"/>
+          <p:cNvPr id="61" name="Google Shape;61;g9f88bada6c_0_25:notes"/>
           <p:cNvSpPr txBox="1"/>
           <p:nvPr>
             <p:ph idx="1" type="body"/>
@@ -1294,7 +1379,7 @@
   <p:cSld>
     <p:spTree>
       <p:nvGrpSpPr>
-        <p:cNvPr id="67" name="Shape 67"/>
+        <p:cNvPr id="70" name="Shape 70"/>
         <p:cNvGrpSpPr/>
         <p:nvPr/>
       </p:nvGrpSpPr>
@@ -1308,7 +1393,7 @@
       </p:grpSpPr>
       <p:sp>
         <p:nvSpPr>
-          <p:cNvPr id="68" name="Google Shape;68;g9f1df7845e_0_4:notes"/>
+          <p:cNvPr id="71" name="Google Shape;71;g9f1df7845e_0_4:notes"/>
           <p:cNvSpPr/>
           <p:nvPr>
             <p:ph idx="2" type="sldImg"/>
@@ -1343,7 +1428,7 @@
       </p:sp>
       <p:sp>
         <p:nvSpPr>
-          <p:cNvPr id="69" name="Google Shape;69;g9f1df7845e_0_4:notes"/>
+          <p:cNvPr id="72" name="Google Shape;72;g9f1df7845e_0_4:notes"/>
           <p:cNvSpPr txBox="1"/>
           <p:nvPr>
             <p:ph idx="1" type="body"/>
@@ -1393,7 +1478,7 @@
   <p:cSld>
     <p:spTree>
       <p:nvGrpSpPr>
-        <p:cNvPr id="78" name="Shape 78"/>
+        <p:cNvPr id="81" name="Shape 81"/>
         <p:cNvGrpSpPr/>
         <p:nvPr/>
       </p:nvGrpSpPr>
@@ -1407,7 +1492,7 @@
       </p:grpSpPr>
       <p:sp>
         <p:nvSpPr>
-          <p:cNvPr id="79" name="Google Shape;79;g9f1df7845e_0_13:notes"/>
+          <p:cNvPr id="82" name="Google Shape;82;g9f1df7845e_0_13:notes"/>
           <p:cNvSpPr/>
           <p:nvPr>
             <p:ph idx="2" type="sldImg"/>
@@ -1442,7 +1527,7 @@
       </p:sp>
       <p:sp>
         <p:nvSpPr>
-          <p:cNvPr id="80" name="Google Shape;80;g9f1df7845e_0_13:notes"/>
+          <p:cNvPr id="83" name="Google Shape;83;g9f1df7845e_0_13:notes"/>
           <p:cNvSpPr txBox="1"/>
           <p:nvPr>
             <p:ph idx="1" type="body"/>
@@ -1492,7 +1577,7 @@
   <p:cSld>
     <p:spTree>
       <p:nvGrpSpPr>
-        <p:cNvPr id="89" name="Shape 89"/>
+        <p:cNvPr id="92" name="Shape 92"/>
         <p:cNvGrpSpPr/>
         <p:nvPr/>
       </p:nvGrpSpPr>
@@ -1506,7 +1591,7 @@
       </p:grpSpPr>
       <p:sp>
         <p:nvSpPr>
-          <p:cNvPr id="90" name="Google Shape;90;g9f1df7845e_0_22:notes"/>
+          <p:cNvPr id="93" name="Google Shape;93;g9f1df7845e_0_31:notes"/>
           <p:cNvSpPr/>
           <p:nvPr>
             <p:ph idx="2" type="sldImg"/>
@@ -1541,7 +1626,7 @@
       </p:sp>
       <p:sp>
         <p:nvSpPr>
-          <p:cNvPr id="91" name="Google Shape;91;g9f1df7845e_0_22:notes"/>
+          <p:cNvPr id="94" name="Google Shape;94;g9f1df7845e_0_31:notes"/>
           <p:cNvSpPr txBox="1"/>
           <p:nvPr>
             <p:ph idx="1" type="body"/>
@@ -1591,7 +1676,7 @@
   <p:cSld>
     <p:spTree>
       <p:nvGrpSpPr>
-        <p:cNvPr id="100" name="Shape 100"/>
+        <p:cNvPr id="103" name="Shape 103"/>
         <p:cNvGrpSpPr/>
         <p:nvPr/>
       </p:nvGrpSpPr>
@@ -1605,7 +1690,7 @@
       </p:grpSpPr>
       <p:sp>
         <p:nvSpPr>
-          <p:cNvPr id="101" name="Google Shape;101;g9f1df7845e_0_31:notes"/>
+          <p:cNvPr id="104" name="Google Shape;104;g9f1df7845e_0_22:notes"/>
           <p:cNvSpPr/>
           <p:nvPr>
             <p:ph idx="2" type="sldImg"/>
@@ -1640,7 +1725,7 @@
       </p:sp>
       <p:sp>
         <p:nvSpPr>
-          <p:cNvPr id="102" name="Google Shape;102;g9f1df7845e_0_31:notes"/>
+          <p:cNvPr id="105" name="Google Shape;105;g9f1df7845e_0_22:notes"/>
           <p:cNvSpPr txBox="1"/>
           <p:nvPr>
             <p:ph idx="1" type="body"/>
@@ -1690,7 +1775,7 @@
   <p:cSld>
     <p:spTree>
       <p:nvGrpSpPr>
-        <p:cNvPr id="111" name="Shape 111"/>
+        <p:cNvPr id="114" name="Shape 114"/>
         <p:cNvGrpSpPr/>
         <p:nvPr/>
       </p:nvGrpSpPr>
@@ -1704,7 +1789,7 @@
       </p:grpSpPr>
       <p:sp>
         <p:nvSpPr>
-          <p:cNvPr id="112" name="Google Shape;112;g9f88bada6c_1_1:notes"/>
+          <p:cNvPr id="115" name="Google Shape;115;ga1275c2f77_0_0:notes"/>
           <p:cNvSpPr/>
           <p:nvPr>
             <p:ph idx="2" type="sldImg"/>
@@ -1739,7 +1824,7 @@
       </p:sp>
       <p:sp>
         <p:nvSpPr>
-          <p:cNvPr id="113" name="Google Shape;113;g9f88bada6c_1_1:notes"/>
+          <p:cNvPr id="116" name="Google Shape;116;ga1275c2f77_0_0:notes"/>
           <p:cNvSpPr txBox="1"/>
           <p:nvPr>
             <p:ph idx="1" type="body"/>
@@ -5013,7 +5098,7 @@
   <p:cSld>
     <p:spTree>
       <p:nvGrpSpPr>
-        <p:cNvPr id="125" name="Shape 125"/>
+        <p:cNvPr id="128" name="Shape 128"/>
         <p:cNvGrpSpPr/>
         <p:nvPr/>
       </p:nvGrpSpPr>
@@ -5027,7 +5112,7 @@
       </p:grpSpPr>
       <p:sp>
         <p:nvSpPr>
-          <p:cNvPr id="126" name="Google Shape;126;p17"/>
+          <p:cNvPr id="129" name="Google Shape;129;p17"/>
           <p:cNvSpPr txBox="1"/>
           <p:nvPr>
             <p:ph type="title"/>
@@ -5064,7 +5149,7 @@
             </a:pPr>
             <a:r>
               <a:rPr b="0" lang="en" sz="3000"/>
-              <a:t>Asset Prediction</a:t>
+              <a:t>Master Ownership Control</a:t>
             </a:r>
             <a:endParaRPr>
               <a:solidFill>
@@ -5076,7 +5161,7 @@
       </p:sp>
       <p:cxnSp>
         <p:nvCxnSpPr>
-          <p:cNvPr id="127" name="Google Shape;127;p17"/>
+          <p:cNvPr id="130" name="Google Shape;130;p17"/>
           <p:cNvCxnSpPr/>
           <p:nvPr/>
         </p:nvCxnSpPr>
@@ -5102,7 +5187,7 @@
       </p:cxnSp>
       <p:pic>
         <p:nvPicPr>
-          <p:cNvPr id="128" name="Google Shape;128;p17"/>
+          <p:cNvPr id="131" name="Google Shape;131;p17"/>
           <p:cNvPicPr preferRelativeResize="0"/>
           <p:nvPr/>
         </p:nvPicPr>
@@ -5128,42 +5213,151 @@
           </a:ln>
         </p:spPr>
       </p:pic>
+      <p:sp>
+        <p:nvSpPr>
+          <p:cNvPr id="132" name="Google Shape;132;p17"/>
+          <p:cNvSpPr txBox="1"/>
+          <p:nvPr>
+            <p:ph type="title"/>
+          </p:nvPr>
+        </p:nvSpPr>
+        <p:spPr>
+          <a:xfrm>
+            <a:off x="372150" y="585700"/>
+            <a:ext cx="8417700" cy="712500"/>
+          </a:xfrm>
+          <a:prstGeom prst="rect">
+            <a:avLst/>
+          </a:prstGeom>
+        </p:spPr>
+        <p:txBody>
+          <a:bodyPr anchorCtr="0" anchor="ctr" bIns="91425" lIns="91425" spcFirstLastPara="1" rIns="91425" wrap="square" tIns="91425">
+            <a:noAutofit/>
+          </a:bodyPr>
+          <a:lstStyle/>
+          <a:p>
+            <a:pPr indent="0" lvl="0" marL="0" rtl="0" algn="l">
+              <a:spcBef>
+                <a:spcPts val="0"/>
+              </a:spcBef>
+              <a:spcAft>
+                <a:spcPts val="0"/>
+              </a:spcAft>
+              <a:buNone/>
+            </a:pPr>
+            <a:r>
+              <a:rPr lang="en"/>
+              <a:t>Referências</a:t>
+            </a:r>
+            <a:endParaRPr/>
+          </a:p>
+        </p:txBody>
+      </p:sp>
+      <p:sp>
+        <p:nvSpPr>
+          <p:cNvPr id="133" name="Google Shape;133;p17"/>
+          <p:cNvSpPr txBox="1"/>
+          <p:nvPr>
+            <p:ph idx="1" type="body"/>
+          </p:nvPr>
+        </p:nvSpPr>
+        <p:spPr>
+          <a:xfrm>
+            <a:off x="841700" y="1645150"/>
+            <a:ext cx="7715100" cy="1031400"/>
+          </a:xfrm>
+          <a:prstGeom prst="rect">
+            <a:avLst/>
+          </a:prstGeom>
+        </p:spPr>
+        <p:txBody>
+          <a:bodyPr anchorCtr="0" anchor="t" bIns="91425" lIns="91425" spcFirstLastPara="1" rIns="91425" wrap="square" tIns="91425">
+            <a:noAutofit/>
+          </a:bodyPr>
+          <a:lstStyle/>
+          <a:p>
+            <a:pPr indent="0" lvl="0" marL="0" rtl="0" algn="just">
+              <a:lnSpc>
+                <a:spcPct val="100000"/>
+              </a:lnSpc>
+              <a:spcBef>
+                <a:spcPts val="600"/>
+              </a:spcBef>
+              <a:spcAft>
+                <a:spcPts val="0"/>
+              </a:spcAft>
+              <a:buNone/>
+            </a:pPr>
+            <a:r>
+              <a:rPr lang="en" sz="1500">
+                <a:solidFill>
+                  <a:srgbClr val="222222"/>
+                </a:solidFill>
+                <a:highlight>
+                  <a:srgbClr val="FFFFFF"/>
+                </a:highlight>
+              </a:rPr>
+              <a:t>Notas de Aula dos Professora, via EAD, PUC-rio, 2020</a:t>
+            </a:r>
+            <a:endParaRPr sz="1500">
+              <a:solidFill>
+                <a:srgbClr val="222222"/>
+              </a:solidFill>
+              <a:highlight>
+                <a:srgbClr val="FFFFFF"/>
+              </a:highlight>
+            </a:endParaRPr>
+          </a:p>
+        </p:txBody>
+      </p:sp>
+      <p:sp>
+        <p:nvSpPr>
+          <p:cNvPr id="134" name="Google Shape;134;p17"/>
+          <p:cNvSpPr txBox="1"/>
+          <p:nvPr>
+            <p:ph idx="12" type="sldNum"/>
+          </p:nvPr>
+        </p:nvSpPr>
+        <p:spPr>
+          <a:xfrm>
+            <a:off x="8556784" y="4749851"/>
+            <a:ext cx="548700" cy="393600"/>
+          </a:xfrm>
+          <a:prstGeom prst="rect">
+            <a:avLst/>
+          </a:prstGeom>
+        </p:spPr>
+        <p:txBody>
+          <a:bodyPr anchorCtr="0" anchor="t" bIns="91425" lIns="91425" spcFirstLastPara="1" rIns="91425" wrap="square" tIns="91425">
+            <a:noAutofit/>
+          </a:bodyPr>
+          <a:lstStyle/>
+          <a:p>
+            <a:pPr indent="0" lvl="0" marL="0" rtl="0" algn="r">
+              <a:spcBef>
+                <a:spcPts val="0"/>
+              </a:spcBef>
+              <a:spcAft>
+                <a:spcPts val="0"/>
+              </a:spcAft>
+              <a:buNone/>
+            </a:pPr>
+            <a:fld id="{00000000-1234-1234-1234-123412341234}" type="slidenum">
+              <a:rPr lang="en"/>
+              <a:t>‹#›</a:t>
+            </a:fld>
+            <a:endParaRPr/>
+          </a:p>
+        </p:txBody>
+      </p:sp>
       <p:pic>
         <p:nvPicPr>
-          <p:cNvPr id="129" name="Google Shape;129;p17"/>
+          <p:cNvPr id="135" name="Google Shape;135;p17"/>
           <p:cNvPicPr preferRelativeResize="0"/>
           <p:nvPr/>
         </p:nvPicPr>
         <p:blipFill>
           <a:blip r:embed="rId4">
-            <a:alphaModFix/>
-          </a:blip>
-          <a:stretch>
-            <a:fillRect/>
-          </a:stretch>
-        </p:blipFill>
-        <p:spPr>
-          <a:xfrm>
-            <a:off x="3086375" y="722658"/>
-            <a:ext cx="2971250" cy="3966750"/>
-          </a:xfrm>
-          <a:prstGeom prst="rect">
-            <a:avLst/>
-          </a:prstGeom>
-          <a:noFill/>
-          <a:ln>
-            <a:noFill/>
-          </a:ln>
-        </p:spPr>
-      </p:pic>
-      <p:pic>
-        <p:nvPicPr>
-          <p:cNvPr id="130" name="Google Shape;130;p17"/>
-          <p:cNvPicPr preferRelativeResize="0"/>
-          <p:nvPr/>
-        </p:nvPicPr>
-        <p:blipFill>
-          <a:blip r:embed="rId5">
             <a:alphaModFix/>
           </a:blip>
           <a:stretch>
@@ -5197,7 +5391,7 @@
   <p:cSld>
     <p:spTree>
       <p:nvGrpSpPr>
-        <p:cNvPr id="134" name="Shape 134"/>
+        <p:cNvPr id="139" name="Shape 139"/>
         <p:cNvGrpSpPr/>
         <p:nvPr/>
       </p:nvGrpSpPr>
@@ -5211,7 +5405,7 @@
       </p:grpSpPr>
       <p:sp>
         <p:nvSpPr>
-          <p:cNvPr id="135" name="Google Shape;135;p18"/>
+          <p:cNvPr id="140" name="Google Shape;140;p18"/>
           <p:cNvSpPr txBox="1"/>
           <p:nvPr>
             <p:ph type="title"/>
@@ -5248,7 +5442,7 @@
             </a:pPr>
             <a:r>
               <a:rPr b="0" lang="en" sz="3000"/>
-              <a:t>Asset Prediction</a:t>
+              <a:t>Master Ownership Control</a:t>
             </a:r>
             <a:endParaRPr>
               <a:solidFill>
@@ -5260,7 +5454,7 @@
       </p:sp>
       <p:cxnSp>
         <p:nvCxnSpPr>
-          <p:cNvPr id="136" name="Google Shape;136;p18"/>
+          <p:cNvPr id="141" name="Google Shape;141;p18"/>
           <p:cNvCxnSpPr/>
           <p:nvPr/>
         </p:nvCxnSpPr>
@@ -5286,7 +5480,7 @@
       </p:cxnSp>
       <p:pic>
         <p:nvPicPr>
-          <p:cNvPr id="137" name="Google Shape;137;p18"/>
+          <p:cNvPr id="142" name="Google Shape;142;p18"/>
           <p:cNvPicPr preferRelativeResize="0"/>
           <p:nvPr/>
         </p:nvPicPr>
@@ -5312,9 +5506,90 @@
           </a:ln>
         </p:spPr>
       </p:pic>
+      <p:pic>
+        <p:nvPicPr>
+          <p:cNvPr id="143" name="Google Shape;143;p18"/>
+          <p:cNvPicPr preferRelativeResize="0"/>
+          <p:nvPr/>
+        </p:nvPicPr>
+        <p:blipFill>
+          <a:blip r:embed="rId4">
+            <a:alphaModFix/>
+          </a:blip>
+          <a:stretch>
+            <a:fillRect/>
+          </a:stretch>
+        </p:blipFill>
+        <p:spPr>
+          <a:xfrm>
+            <a:off x="3086375" y="722658"/>
+            <a:ext cx="2971250" cy="3966750"/>
+          </a:xfrm>
+          <a:prstGeom prst="rect">
+            <a:avLst/>
+          </a:prstGeom>
+          <a:noFill/>
+          <a:ln>
+            <a:noFill/>
+          </a:ln>
+        </p:spPr>
+      </p:pic>
+      <p:pic>
+        <p:nvPicPr>
+          <p:cNvPr id="144" name="Google Shape;144;p18"/>
+          <p:cNvPicPr preferRelativeResize="0"/>
+          <p:nvPr/>
+        </p:nvPicPr>
+        <p:blipFill>
+          <a:blip r:embed="rId5">
+            <a:alphaModFix/>
+          </a:blip>
+          <a:stretch>
+            <a:fillRect/>
+          </a:stretch>
+        </p:blipFill>
+        <p:spPr>
+          <a:xfrm>
+            <a:off x="7915275" y="51625"/>
+            <a:ext cx="1181099" cy="504750"/>
+          </a:xfrm>
+          <a:prstGeom prst="rect">
+            <a:avLst/>
+          </a:prstGeom>
+          <a:noFill/>
+          <a:ln>
+            <a:noFill/>
+          </a:ln>
+        </p:spPr>
+      </p:pic>
+    </p:spTree>
+  </p:cSld>
+  <p:clrMapOvr>
+    <a:masterClrMapping/>
+  </p:clrMapOvr>
+</p:sld>
+</file>
+
+<file path=ppt/slides/slide12.xml><?xml version="1.0" encoding="utf-8"?>
+<p:sld xmlns:a="http://schemas.openxmlformats.org/drawingml/2006/main" xmlns:r="http://schemas.openxmlformats.org/officeDocument/2006/relationships" xmlns:mc="http://schemas.openxmlformats.org/markup-compatibility/2006" xmlns:mv="urn:schemas-microsoft-com:mac:vml" xmlns:p="http://schemas.openxmlformats.org/presentationml/2006/main" xmlns:c="http://schemas.openxmlformats.org/drawingml/2006/chart" xmlns:dgm="http://schemas.openxmlformats.org/drawingml/2006/diagram" xmlns:o="urn:schemas-microsoft-com:office:office" xmlns:v="urn:schemas-microsoft-com:vml" xmlns:pvml="urn:schemas-microsoft-com:office:powerpoint" xmlns:com="http://schemas.openxmlformats.org/drawingml/2006/compatibility" xmlns:p14="http://schemas.microsoft.com/office/powerpoint/2010/main" xmlns:p15="http://schemas.microsoft.com/office/powerpoint/2012/main" xmlns:ahyp="http://schemas.microsoft.com/office/drawing/2018/hyperlinkcolor">
+  <p:cSld>
+    <p:spTree>
+      <p:nvGrpSpPr>
+        <p:cNvPr id="148" name="Shape 148"/>
+        <p:cNvGrpSpPr/>
+        <p:nvPr/>
+      </p:nvGrpSpPr>
+      <p:grpSpPr>
+        <a:xfrm>
+          <a:off x="0" y="0"/>
+          <a:ext cx="0" cy="0"/>
+          <a:chOff x="0" y="0"/>
+          <a:chExt cx="0" cy="0"/>
+        </a:xfrm>
+      </p:grpSpPr>
       <p:sp>
         <p:nvSpPr>
-          <p:cNvPr id="138" name="Google Shape;138;p18"/>
+          <p:cNvPr id="149" name="Google Shape;149;p19"/>
           <p:cNvSpPr txBox="1"/>
           <p:nvPr>
             <p:ph type="title"/>
@@ -5322,8 +5597,8 @@
         </p:nvSpPr>
         <p:spPr>
           <a:xfrm>
-            <a:off x="372150" y="585700"/>
-            <a:ext cx="8417700" cy="712500"/>
+            <a:off x="1325600" y="22288"/>
+            <a:ext cx="6684000" cy="563400"/>
           </a:xfrm>
           <a:prstGeom prst="rect">
             <a:avLst/>
@@ -5335,6 +5610,109 @@
           </a:bodyPr>
           <a:lstStyle/>
           <a:p>
+            <a:pPr indent="0" lvl="0" marL="0" rtl="0" algn="ctr">
+              <a:spcBef>
+                <a:spcPts val="0"/>
+              </a:spcBef>
+              <a:spcAft>
+                <a:spcPts val="0"/>
+              </a:spcAft>
+              <a:buClr>
+                <a:schemeClr val="dk1"/>
+              </a:buClr>
+              <a:buSzPts val="1100"/>
+              <a:buFont typeface="Arial"/>
+              <a:buNone/>
+            </a:pPr>
+            <a:r>
+              <a:rPr b="0" lang="en" sz="3000"/>
+              <a:t>Master Ownership Control</a:t>
+            </a:r>
+            <a:endParaRPr>
+              <a:solidFill>
+                <a:srgbClr val="000000"/>
+              </a:solidFill>
+            </a:endParaRPr>
+          </a:p>
+        </p:txBody>
+      </p:sp>
+      <p:cxnSp>
+        <p:nvCxnSpPr>
+          <p:cNvPr id="150" name="Google Shape;150;p19"/>
+          <p:cNvCxnSpPr/>
+          <p:nvPr/>
+        </p:nvCxnSpPr>
+        <p:spPr>
+          <a:xfrm>
+            <a:off x="22950" y="608502"/>
+            <a:ext cx="9116100" cy="0"/>
+          </a:xfrm>
+          <a:prstGeom prst="straightConnector1">
+            <a:avLst/>
+          </a:prstGeom>
+          <a:noFill/>
+          <a:ln cap="flat" cmpd="sng" w="19050">
+            <a:solidFill>
+              <a:schemeClr val="dk2"/>
+            </a:solidFill>
+            <a:prstDash val="solid"/>
+            <a:round/>
+            <a:headEnd len="med" w="med" type="none"/>
+            <a:tailEnd len="med" w="med" type="none"/>
+          </a:ln>
+        </p:spPr>
+      </p:cxnSp>
+      <p:pic>
+        <p:nvPicPr>
+          <p:cNvPr id="151" name="Google Shape;151;p19"/>
+          <p:cNvPicPr preferRelativeResize="0"/>
+          <p:nvPr/>
+        </p:nvPicPr>
+        <p:blipFill>
+          <a:blip r:embed="rId3">
+            <a:alphaModFix/>
+          </a:blip>
+          <a:stretch>
+            <a:fillRect/>
+          </a:stretch>
+        </p:blipFill>
+        <p:spPr>
+          <a:xfrm>
+            <a:off x="107800" y="22300"/>
+            <a:ext cx="467571" cy="563400"/>
+          </a:xfrm>
+          <a:prstGeom prst="rect">
+            <a:avLst/>
+          </a:prstGeom>
+          <a:noFill/>
+          <a:ln>
+            <a:noFill/>
+          </a:ln>
+        </p:spPr>
+      </p:pic>
+      <p:sp>
+        <p:nvSpPr>
+          <p:cNvPr id="152" name="Google Shape;152;p19"/>
+          <p:cNvSpPr txBox="1"/>
+          <p:nvPr>
+            <p:ph type="title"/>
+          </p:nvPr>
+        </p:nvSpPr>
+        <p:spPr>
+          <a:xfrm>
+            <a:off x="372150" y="585700"/>
+            <a:ext cx="8417700" cy="712500"/>
+          </a:xfrm>
+          <a:prstGeom prst="rect">
+            <a:avLst/>
+          </a:prstGeom>
+        </p:spPr>
+        <p:txBody>
+          <a:bodyPr anchorCtr="0" anchor="ctr" bIns="91425" lIns="91425" spcFirstLastPara="1" rIns="91425" wrap="square" tIns="91425">
+            <a:noAutofit/>
+          </a:bodyPr>
+          <a:lstStyle/>
+          <a:p>
             <a:pPr indent="0" lvl="0" marL="0" rtl="0" algn="l">
               <a:spcBef>
                 <a:spcPts val="0"/>
@@ -5354,7 +5732,7 @@
       </p:sp>
       <p:sp>
         <p:nvSpPr>
-          <p:cNvPr id="139" name="Google Shape;139;p18"/>
+          <p:cNvPr id="153" name="Google Shape;153;p19"/>
           <p:cNvSpPr txBox="1"/>
           <p:nvPr/>
         </p:nvSpPr>
@@ -5459,7 +5837,7 @@
       </p:sp>
       <p:pic>
         <p:nvPicPr>
-          <p:cNvPr id="140" name="Google Shape;140;p18"/>
+          <p:cNvPr id="154" name="Google Shape;154;p19"/>
           <p:cNvPicPr preferRelativeResize="0"/>
           <p:nvPr/>
         </p:nvPicPr>
@@ -5549,7 +5927,7 @@
             </a:pPr>
             <a:r>
               <a:rPr b="0" lang="en" sz="3000"/>
-              <a:t>Asset Prediction</a:t>
+              <a:t>Master Ownership Control</a:t>
             </a:r>
             <a:endParaRPr>
               <a:solidFill>
@@ -5567,8 +5945,8 @@
         </p:nvSpPr>
         <p:spPr>
           <a:xfrm>
-            <a:off x="2647950" y="923925"/>
-            <a:ext cx="4655400" cy="3572700"/>
+            <a:off x="798138" y="1203500"/>
+            <a:ext cx="3614400" cy="1051800"/>
           </a:xfrm>
           <a:prstGeom prst="rect">
             <a:avLst/>
@@ -5584,7 +5962,7 @@
           </a:bodyPr>
           <a:lstStyle/>
           <a:p>
-            <a:pPr indent="-425450" lvl="0" marL="457200" rtl="0" algn="l">
+            <a:pPr indent="-393700" lvl="0" marL="457200" rtl="0" algn="l">
               <a:lnSpc>
                 <a:spcPct val="115000"/>
               </a:lnSpc>
@@ -5594,17 +5972,17 @@
               <a:spcAft>
                 <a:spcPts val="0"/>
               </a:spcAft>
-              <a:buSzPts val="3100"/>
+              <a:buSzPts val="2600"/>
               <a:buChar char="●"/>
             </a:pPr>
             <a:r>
-              <a:rPr lang="en" sz="3100"/>
+              <a:rPr lang="en" sz="2600"/>
               <a:t>Problema</a:t>
             </a:r>
-            <a:endParaRPr sz="3100"/>
-          </a:p>
-          <a:p>
-            <a:pPr indent="-425450" lvl="0" marL="457200" rtl="0" algn="l">
+            <a:endParaRPr sz="2600"/>
+          </a:p>
+          <a:p>
+            <a:pPr indent="-393700" lvl="0" marL="457200" rtl="0" algn="l">
               <a:lnSpc>
                 <a:spcPct val="115000"/>
               </a:lnSpc>
@@ -5614,118 +5992,14 @@
               <a:spcAft>
                 <a:spcPts val="0"/>
               </a:spcAft>
-              <a:buSzPts val="3100"/>
+              <a:buSzPts val="2600"/>
               <a:buChar char="●"/>
             </a:pPr>
             <a:r>
-              <a:rPr lang="en" sz="3100"/>
+              <a:rPr lang="en" sz="2600"/>
               <a:t>Solução Proposta</a:t>
             </a:r>
-            <a:endParaRPr sz="3100">
-              <a:solidFill>
-                <a:srgbClr val="000000"/>
-              </a:solidFill>
-            </a:endParaRPr>
-          </a:p>
-          <a:p>
-            <a:pPr indent="-425450" lvl="0" marL="457200" rtl="0" algn="l">
-              <a:lnSpc>
-                <a:spcPct val="115000"/>
-              </a:lnSpc>
-              <a:spcBef>
-                <a:spcPts val="0"/>
-              </a:spcBef>
-              <a:spcAft>
-                <a:spcPts val="0"/>
-              </a:spcAft>
-              <a:buSzPts val="3100"/>
-              <a:buChar char="●"/>
-            </a:pPr>
-            <a:r>
-              <a:rPr lang="en" sz="3100"/>
-              <a:t>Público Alvo</a:t>
-            </a:r>
-            <a:endParaRPr sz="3100"/>
-          </a:p>
-          <a:p>
-            <a:pPr indent="-425450" lvl="0" marL="457200" rtl="0" algn="l">
-              <a:lnSpc>
-                <a:spcPct val="115000"/>
-              </a:lnSpc>
-              <a:spcBef>
-                <a:spcPts val="0"/>
-              </a:spcBef>
-              <a:spcAft>
-                <a:spcPts val="0"/>
-              </a:spcAft>
-              <a:buSzPts val="3100"/>
-              <a:buChar char="●"/>
-            </a:pPr>
-            <a:r>
-              <a:rPr lang="en" sz="3100"/>
-              <a:t>Aceitação de Mercado</a:t>
-            </a:r>
-            <a:endParaRPr sz="3100"/>
-          </a:p>
-          <a:p>
-            <a:pPr indent="-425450" lvl="0" marL="457200" rtl="0" algn="l">
-              <a:lnSpc>
-                <a:spcPct val="115000"/>
-              </a:lnSpc>
-              <a:spcBef>
-                <a:spcPts val="0"/>
-              </a:spcBef>
-              <a:spcAft>
-                <a:spcPts val="0"/>
-              </a:spcAft>
-              <a:buSzPts val="3100"/>
-              <a:buChar char="●"/>
-            </a:pPr>
-            <a:r>
-              <a:rPr lang="en" sz="3100"/>
-              <a:t>Blockchain</a:t>
-            </a:r>
-            <a:endParaRPr sz="3100"/>
-          </a:p>
-          <a:p>
-            <a:pPr indent="-425450" lvl="0" marL="457200" rtl="0" algn="l">
-              <a:lnSpc>
-                <a:spcPct val="115000"/>
-              </a:lnSpc>
-              <a:spcBef>
-                <a:spcPts val="0"/>
-              </a:spcBef>
-              <a:spcAft>
-                <a:spcPts val="0"/>
-              </a:spcAft>
-              <a:buSzPts val="3100"/>
-              <a:buChar char="●"/>
-            </a:pPr>
-            <a:r>
-              <a:rPr lang="en" sz="3100"/>
-              <a:t>Sustentabilidade</a:t>
-            </a:r>
-            <a:endParaRPr sz="3100"/>
-          </a:p>
-          <a:p>
-            <a:pPr indent="-425450" lvl="0" marL="457200" rtl="0" algn="l">
-              <a:lnSpc>
-                <a:spcPct val="115000"/>
-              </a:lnSpc>
-              <a:spcBef>
-                <a:spcPts val="0"/>
-              </a:spcBef>
-              <a:spcAft>
-                <a:spcPts val="0"/>
-              </a:spcAft>
-              <a:buSzPts val="3100"/>
-              <a:buChar char="●"/>
-            </a:pPr>
-            <a:r>
-              <a:rPr lang="en" sz="3100"/>
-              <a:t>P &amp; R</a:t>
-            </a:r>
-            <a:endParaRPr sz="3100"/>
+            <a:endParaRPr sz="2600"/>
           </a:p>
         </p:txBody>
       </p:sp>
@@ -5811,6 +6085,208 @@
           </a:ln>
         </p:spPr>
       </p:pic>
+      <p:sp>
+        <p:nvSpPr>
+          <p:cNvPr id="45" name="Google Shape;45;p9"/>
+          <p:cNvSpPr txBox="1"/>
+          <p:nvPr/>
+        </p:nvSpPr>
+        <p:spPr>
+          <a:xfrm>
+            <a:off x="798138" y="2940650"/>
+            <a:ext cx="4225500" cy="1443000"/>
+          </a:xfrm>
+          <a:prstGeom prst="rect">
+            <a:avLst/>
+          </a:prstGeom>
+          <a:noFill/>
+          <a:ln>
+            <a:noFill/>
+          </a:ln>
+        </p:spPr>
+        <p:txBody>
+          <a:bodyPr anchorCtr="0" anchor="t" bIns="91425" lIns="91425" spcFirstLastPara="1" rIns="91425" wrap="square" tIns="91425">
+            <a:noAutofit/>
+          </a:bodyPr>
+          <a:lstStyle/>
+          <a:p>
+            <a:pPr indent="-393700" lvl="0" marL="457200" rtl="0" algn="l">
+              <a:lnSpc>
+                <a:spcPct val="115000"/>
+              </a:lnSpc>
+              <a:spcBef>
+                <a:spcPts val="600"/>
+              </a:spcBef>
+              <a:spcAft>
+                <a:spcPts val="0"/>
+              </a:spcAft>
+              <a:buSzPts val="2600"/>
+              <a:buChar char="●"/>
+            </a:pPr>
+            <a:r>
+              <a:rPr lang="en" sz="2600"/>
+              <a:t>Público Alvo</a:t>
+            </a:r>
+            <a:endParaRPr sz="2600"/>
+          </a:p>
+          <a:p>
+            <a:pPr indent="-393700" lvl="0" marL="457200" rtl="0" algn="l">
+              <a:lnSpc>
+                <a:spcPct val="115000"/>
+              </a:lnSpc>
+              <a:spcBef>
+                <a:spcPts val="0"/>
+              </a:spcBef>
+              <a:spcAft>
+                <a:spcPts val="0"/>
+              </a:spcAft>
+              <a:buSzPts val="2600"/>
+              <a:buChar char="●"/>
+            </a:pPr>
+            <a:r>
+              <a:rPr lang="en" sz="2600"/>
+              <a:t>Aceitação de Mercado</a:t>
+            </a:r>
+            <a:endParaRPr sz="2600"/>
+          </a:p>
+          <a:p>
+            <a:pPr indent="-393700" lvl="0" marL="457200" rtl="0" algn="l">
+              <a:lnSpc>
+                <a:spcPct val="115000"/>
+              </a:lnSpc>
+              <a:spcBef>
+                <a:spcPts val="0"/>
+              </a:spcBef>
+              <a:spcAft>
+                <a:spcPts val="0"/>
+              </a:spcAft>
+              <a:buSzPts val="2600"/>
+              <a:buChar char="●"/>
+            </a:pPr>
+            <a:r>
+              <a:rPr lang="en" sz="2600">
+                <a:solidFill>
+                  <a:schemeClr val="dk1"/>
+                </a:solidFill>
+              </a:rPr>
+              <a:t>Sustentabilidade</a:t>
+            </a:r>
+            <a:endParaRPr sz="2600"/>
+          </a:p>
+        </p:txBody>
+      </p:sp>
+      <p:sp>
+        <p:nvSpPr>
+          <p:cNvPr id="46" name="Google Shape;46;p9"/>
+          <p:cNvSpPr txBox="1"/>
+          <p:nvPr/>
+        </p:nvSpPr>
+        <p:spPr>
+          <a:xfrm>
+            <a:off x="5174995" y="1528725"/>
+            <a:ext cx="2783100" cy="563400"/>
+          </a:xfrm>
+          <a:prstGeom prst="rect">
+            <a:avLst/>
+          </a:prstGeom>
+          <a:noFill/>
+          <a:ln>
+            <a:noFill/>
+          </a:ln>
+        </p:spPr>
+        <p:txBody>
+          <a:bodyPr anchorCtr="0" anchor="t" bIns="91425" lIns="91425" spcFirstLastPara="1" rIns="91425" wrap="square" tIns="91425">
+            <a:noAutofit/>
+          </a:bodyPr>
+          <a:lstStyle/>
+          <a:p>
+            <a:pPr indent="-393700" lvl="0" marL="457200" rtl="0" algn="l">
+              <a:lnSpc>
+                <a:spcPct val="115000"/>
+              </a:lnSpc>
+              <a:spcBef>
+                <a:spcPts val="600"/>
+              </a:spcBef>
+              <a:spcAft>
+                <a:spcPts val="0"/>
+              </a:spcAft>
+              <a:buSzPts val="2600"/>
+              <a:buChar char="●"/>
+            </a:pPr>
+            <a:r>
+              <a:rPr lang="en" sz="2600"/>
+              <a:t>Blockchain</a:t>
+            </a:r>
+            <a:endParaRPr sz="2600"/>
+          </a:p>
+        </p:txBody>
+      </p:sp>
+      <p:sp>
+        <p:nvSpPr>
+          <p:cNvPr id="47" name="Google Shape;47;p9"/>
+          <p:cNvSpPr txBox="1"/>
+          <p:nvPr/>
+        </p:nvSpPr>
+        <p:spPr>
+          <a:xfrm>
+            <a:off x="5174988" y="3371975"/>
+            <a:ext cx="3458400" cy="954300"/>
+          </a:xfrm>
+          <a:prstGeom prst="rect">
+            <a:avLst/>
+          </a:prstGeom>
+          <a:noFill/>
+          <a:ln>
+            <a:noFill/>
+          </a:ln>
+        </p:spPr>
+        <p:txBody>
+          <a:bodyPr anchorCtr="0" anchor="t" bIns="91425" lIns="91425" spcFirstLastPara="1" rIns="91425" wrap="square" tIns="91425">
+            <a:noAutofit/>
+          </a:bodyPr>
+          <a:lstStyle/>
+          <a:p>
+            <a:pPr indent="-393700" lvl="0" marL="457200" rtl="0" algn="l">
+              <a:lnSpc>
+                <a:spcPct val="115000"/>
+              </a:lnSpc>
+              <a:spcBef>
+                <a:spcPts val="600"/>
+              </a:spcBef>
+              <a:spcAft>
+                <a:spcPts val="0"/>
+              </a:spcAft>
+              <a:buSzPts val="2600"/>
+              <a:buChar char="●"/>
+            </a:pPr>
+            <a:r>
+              <a:rPr lang="en" sz="2600"/>
+              <a:t>Desenvolvimento</a:t>
+            </a:r>
+            <a:endParaRPr sz="2600"/>
+          </a:p>
+          <a:p>
+            <a:pPr indent="-393700" lvl="0" marL="457200" rtl="0" algn="l">
+              <a:lnSpc>
+                <a:spcPct val="115000"/>
+              </a:lnSpc>
+              <a:spcBef>
+                <a:spcPts val="0"/>
+              </a:spcBef>
+              <a:spcAft>
+                <a:spcPts val="0"/>
+              </a:spcAft>
+              <a:buSzPts val="2600"/>
+              <a:buChar char="●"/>
+            </a:pPr>
+            <a:r>
+              <a:rPr lang="en" sz="2600"/>
+              <a:t>P &amp; R</a:t>
+            </a:r>
+            <a:endParaRPr sz="2600"/>
+          </a:p>
+        </p:txBody>
+      </p:sp>
     </p:spTree>
   </p:cSld>
   <p:clrMapOvr>
@@ -5824,7 +6300,7 @@
   <p:cSld>
     <p:spTree>
       <p:nvGrpSpPr>
-        <p:cNvPr id="48" name="Shape 48"/>
+        <p:cNvPr id="51" name="Shape 51"/>
         <p:cNvGrpSpPr/>
         <p:nvPr/>
       </p:nvGrpSpPr>
@@ -5838,7 +6314,7 @@
       </p:grpSpPr>
       <p:sp>
         <p:nvSpPr>
-          <p:cNvPr id="49" name="Google Shape;49;p10"/>
+          <p:cNvPr id="52" name="Google Shape;52;p10"/>
           <p:cNvSpPr txBox="1"/>
           <p:nvPr>
             <p:ph type="title"/>
@@ -5875,7 +6351,7 @@
             </a:pPr>
             <a:r>
               <a:rPr b="0" lang="en" sz="3000"/>
-              <a:t>Asset Prediction</a:t>
+              <a:t>Master Ownership Control</a:t>
             </a:r>
             <a:endParaRPr>
               <a:solidFill>
@@ -5887,7 +6363,7 @@
       </p:sp>
       <p:cxnSp>
         <p:nvCxnSpPr>
-          <p:cNvPr id="50" name="Google Shape;50;p10"/>
+          <p:cNvPr id="53" name="Google Shape;53;p10"/>
           <p:cNvCxnSpPr/>
           <p:nvPr/>
         </p:nvCxnSpPr>
@@ -5913,7 +6389,7 @@
       </p:cxnSp>
       <p:pic>
         <p:nvPicPr>
-          <p:cNvPr id="51" name="Google Shape;51;p10"/>
+          <p:cNvPr id="54" name="Google Shape;54;p10"/>
           <p:cNvPicPr preferRelativeResize="0"/>
           <p:nvPr/>
         </p:nvPicPr>
@@ -5941,7 +6417,7 @@
       </p:pic>
       <p:sp>
         <p:nvSpPr>
-          <p:cNvPr id="52" name="Google Shape;52;p10"/>
+          <p:cNvPr id="55" name="Google Shape;55;p10"/>
           <p:cNvSpPr txBox="1"/>
           <p:nvPr>
             <p:ph type="title"/>
@@ -5981,7 +6457,7 @@
       </p:sp>
       <p:sp>
         <p:nvSpPr>
-          <p:cNvPr id="53" name="Google Shape;53;p10"/>
+          <p:cNvPr id="56" name="Google Shape;56;p10"/>
           <p:cNvSpPr txBox="1"/>
           <p:nvPr>
             <p:ph idx="1" type="body"/>
@@ -6116,7 +6592,7 @@
       </p:sp>
       <p:sp>
         <p:nvSpPr>
-          <p:cNvPr id="54" name="Google Shape;54;p10"/>
+          <p:cNvPr id="57" name="Google Shape;57;p10"/>
           <p:cNvSpPr txBox="1"/>
           <p:nvPr>
             <p:ph idx="12" type="sldNum"/>
@@ -6156,7 +6632,7 @@
       </p:sp>
       <p:pic>
         <p:nvPicPr>
-          <p:cNvPr id="55" name="Google Shape;55;p10"/>
+          <p:cNvPr id="58" name="Google Shape;58;p10"/>
           <p:cNvPicPr preferRelativeResize="0"/>
           <p:nvPr/>
         </p:nvPicPr>
@@ -6195,7 +6671,7 @@
   <p:cSld>
     <p:spTree>
       <p:nvGrpSpPr>
-        <p:cNvPr id="59" name="Shape 59"/>
+        <p:cNvPr id="62" name="Shape 62"/>
         <p:cNvGrpSpPr/>
         <p:nvPr/>
       </p:nvGrpSpPr>
@@ -6209,7 +6685,7 @@
       </p:grpSpPr>
       <p:sp>
         <p:nvSpPr>
-          <p:cNvPr id="60" name="Google Shape;60;p11"/>
+          <p:cNvPr id="63" name="Google Shape;63;p11"/>
           <p:cNvSpPr txBox="1"/>
           <p:nvPr>
             <p:ph type="title"/>
@@ -6246,7 +6722,7 @@
             </a:pPr>
             <a:r>
               <a:rPr b="0" lang="en" sz="3000"/>
-              <a:t>Asset Prediction</a:t>
+              <a:t>Master Ownership Control</a:t>
             </a:r>
             <a:endParaRPr>
               <a:solidFill>
@@ -6258,7 +6734,7 @@
       </p:sp>
       <p:cxnSp>
         <p:nvCxnSpPr>
-          <p:cNvPr id="61" name="Google Shape;61;p11"/>
+          <p:cNvPr id="64" name="Google Shape;64;p11"/>
           <p:cNvCxnSpPr/>
           <p:nvPr/>
         </p:nvCxnSpPr>
@@ -6284,7 +6760,7 @@
       </p:cxnSp>
       <p:pic>
         <p:nvPicPr>
-          <p:cNvPr id="62" name="Google Shape;62;p11"/>
+          <p:cNvPr id="65" name="Google Shape;65;p11"/>
           <p:cNvPicPr preferRelativeResize="0"/>
           <p:nvPr/>
         </p:nvPicPr>
@@ -6312,7 +6788,7 @@
       </p:pic>
       <p:sp>
         <p:nvSpPr>
-          <p:cNvPr id="63" name="Google Shape;63;p11"/>
+          <p:cNvPr id="66" name="Google Shape;66;p11"/>
           <p:cNvSpPr txBox="1"/>
           <p:nvPr>
             <p:ph type="title"/>
@@ -6352,7 +6828,7 @@
       </p:sp>
       <p:sp>
         <p:nvSpPr>
-          <p:cNvPr id="64" name="Google Shape;64;p11"/>
+          <p:cNvPr id="67" name="Google Shape;67;p11"/>
           <p:cNvSpPr txBox="1"/>
           <p:nvPr>
             <p:ph idx="12" type="sldNum"/>
@@ -6392,7 +6868,7 @@
       </p:sp>
       <p:sp>
         <p:nvSpPr>
-          <p:cNvPr id="65" name="Google Shape;65;p11"/>
+          <p:cNvPr id="68" name="Google Shape;68;p11"/>
           <p:cNvSpPr txBox="1"/>
           <p:nvPr>
             <p:ph idx="1" type="body"/>
@@ -6567,7 +7043,7 @@
       </p:sp>
       <p:pic>
         <p:nvPicPr>
-          <p:cNvPr id="66" name="Google Shape;66;p11"/>
+          <p:cNvPr id="69" name="Google Shape;69;p11"/>
           <p:cNvPicPr preferRelativeResize="0"/>
           <p:nvPr/>
         </p:nvPicPr>
@@ -6606,7 +7082,7 @@
   <p:cSld>
     <p:spTree>
       <p:nvGrpSpPr>
-        <p:cNvPr id="70" name="Shape 70"/>
+        <p:cNvPr id="73" name="Shape 73"/>
         <p:cNvGrpSpPr/>
         <p:nvPr/>
       </p:nvGrpSpPr>
@@ -6620,7 +7096,7 @@
       </p:grpSpPr>
       <p:sp>
         <p:nvSpPr>
-          <p:cNvPr id="71" name="Google Shape;71;p12"/>
+          <p:cNvPr id="74" name="Google Shape;74;p12"/>
           <p:cNvSpPr txBox="1"/>
           <p:nvPr>
             <p:ph type="title"/>
@@ -6657,7 +7133,7 @@
             </a:pPr>
             <a:r>
               <a:rPr b="0" lang="en" sz="3000"/>
-              <a:t>Asset Prediction</a:t>
+              <a:t>Master Ownership Control</a:t>
             </a:r>
             <a:endParaRPr>
               <a:solidFill>
@@ -6669,7 +7145,7 @@
       </p:sp>
       <p:cxnSp>
         <p:nvCxnSpPr>
-          <p:cNvPr id="72" name="Google Shape;72;p12"/>
+          <p:cNvPr id="75" name="Google Shape;75;p12"/>
           <p:cNvCxnSpPr/>
           <p:nvPr/>
         </p:nvCxnSpPr>
@@ -6695,7 +7171,7 @@
       </p:cxnSp>
       <p:pic>
         <p:nvPicPr>
-          <p:cNvPr id="73" name="Google Shape;73;p12"/>
+          <p:cNvPr id="76" name="Google Shape;76;p12"/>
           <p:cNvPicPr preferRelativeResize="0"/>
           <p:nvPr/>
         </p:nvPicPr>
@@ -6723,7 +7199,7 @@
       </p:pic>
       <p:sp>
         <p:nvSpPr>
-          <p:cNvPr id="74" name="Google Shape;74;p12"/>
+          <p:cNvPr id="77" name="Google Shape;77;p12"/>
           <p:cNvSpPr txBox="1"/>
           <p:nvPr>
             <p:ph type="title"/>
@@ -6763,7 +7239,7 @@
       </p:sp>
       <p:sp>
         <p:nvSpPr>
-          <p:cNvPr id="75" name="Google Shape;75;p12"/>
+          <p:cNvPr id="78" name="Google Shape;78;p12"/>
           <p:cNvSpPr txBox="1"/>
           <p:nvPr>
             <p:ph idx="12" type="sldNum"/>
@@ -6803,7 +7279,7 @@
       </p:sp>
       <p:sp>
         <p:nvSpPr>
-          <p:cNvPr id="76" name="Google Shape;76;p12"/>
+          <p:cNvPr id="79" name="Google Shape;79;p12"/>
           <p:cNvSpPr txBox="1"/>
           <p:nvPr>
             <p:ph idx="1" type="body"/>
@@ -6811,8 +7287,8 @@
         </p:nvSpPr>
         <p:spPr>
           <a:xfrm>
-            <a:off x="1076325" y="1466850"/>
-            <a:ext cx="7105800" cy="3198900"/>
+            <a:off x="1076325" y="1186050"/>
+            <a:ext cx="7105800" cy="3479700"/>
           </a:xfrm>
           <a:prstGeom prst="rect">
             <a:avLst/>
@@ -6952,7 +7428,24 @@
             </a:pPr>
             <a:r>
               <a:rPr lang="en"/>
-              <a:t>Contratos, Acordos, ...</a:t>
+              <a:t>Contratos, Acordos, …</a:t>
+            </a:r>
+            <a:endParaRPr/>
+          </a:p>
+          <a:p>
+            <a:pPr indent="-419100" lvl="0" marL="457200" rtl="0" algn="just">
+              <a:spcBef>
+                <a:spcPts val="0"/>
+              </a:spcBef>
+              <a:spcAft>
+                <a:spcPts val="0"/>
+              </a:spcAft>
+              <a:buSzPts val="3000"/>
+              <a:buChar char="●"/>
+            </a:pPr>
+            <a:r>
+              <a:rPr lang="en"/>
+              <a:t>Imóveis, ...</a:t>
             </a:r>
             <a:endParaRPr/>
           </a:p>
@@ -6991,7 +7484,7 @@
       </p:sp>
       <p:pic>
         <p:nvPicPr>
-          <p:cNvPr id="77" name="Google Shape;77;p12"/>
+          <p:cNvPr id="80" name="Google Shape;80;p12"/>
           <p:cNvPicPr preferRelativeResize="0"/>
           <p:nvPr/>
         </p:nvPicPr>
@@ -7030,7 +7523,7 @@
   <p:cSld>
     <p:spTree>
       <p:nvGrpSpPr>
-        <p:cNvPr id="81" name="Shape 81"/>
+        <p:cNvPr id="84" name="Shape 84"/>
         <p:cNvGrpSpPr/>
         <p:nvPr/>
       </p:nvGrpSpPr>
@@ -7044,7 +7537,7 @@
       </p:grpSpPr>
       <p:sp>
         <p:nvSpPr>
-          <p:cNvPr id="82" name="Google Shape;82;p13"/>
+          <p:cNvPr id="85" name="Google Shape;85;p13"/>
           <p:cNvSpPr txBox="1"/>
           <p:nvPr>
             <p:ph type="title"/>
@@ -7081,7 +7574,7 @@
             </a:pPr>
             <a:r>
               <a:rPr b="0" lang="en" sz="3000"/>
-              <a:t>Asset Prediction</a:t>
+              <a:t>Master Ownership Control</a:t>
             </a:r>
             <a:endParaRPr>
               <a:solidFill>
@@ -7093,7 +7586,7 @@
       </p:sp>
       <p:cxnSp>
         <p:nvCxnSpPr>
-          <p:cNvPr id="83" name="Google Shape;83;p13"/>
+          <p:cNvPr id="86" name="Google Shape;86;p13"/>
           <p:cNvCxnSpPr/>
           <p:nvPr/>
         </p:nvCxnSpPr>
@@ -7119,7 +7612,7 @@
       </p:cxnSp>
       <p:pic>
         <p:nvPicPr>
-          <p:cNvPr id="84" name="Google Shape;84;p13"/>
+          <p:cNvPr id="87" name="Google Shape;87;p13"/>
           <p:cNvPicPr preferRelativeResize="0"/>
           <p:nvPr/>
         </p:nvPicPr>
@@ -7147,7 +7640,7 @@
       </p:pic>
       <p:sp>
         <p:nvSpPr>
-          <p:cNvPr id="85" name="Google Shape;85;p13"/>
+          <p:cNvPr id="88" name="Google Shape;88;p13"/>
           <p:cNvSpPr txBox="1"/>
           <p:nvPr>
             <p:ph type="title"/>
@@ -7187,7 +7680,7 @@
       </p:sp>
       <p:sp>
         <p:nvSpPr>
-          <p:cNvPr id="86" name="Google Shape;86;p13"/>
+          <p:cNvPr id="89" name="Google Shape;89;p13"/>
           <p:cNvSpPr txBox="1"/>
           <p:nvPr>
             <p:ph idx="12" type="sldNum"/>
@@ -7227,7 +7720,7 @@
       </p:sp>
       <p:sp>
         <p:nvSpPr>
-          <p:cNvPr id="87" name="Google Shape;87;p13"/>
+          <p:cNvPr id="90" name="Google Shape;90;p13"/>
           <p:cNvSpPr txBox="1"/>
           <p:nvPr>
             <p:ph idx="1" type="body"/>
@@ -7402,7 +7895,7 @@
       </p:sp>
       <p:pic>
         <p:nvPicPr>
-          <p:cNvPr id="88" name="Google Shape;88;p13"/>
+          <p:cNvPr id="91" name="Google Shape;91;p13"/>
           <p:cNvPicPr preferRelativeResize="0"/>
           <p:nvPr/>
         </p:nvPicPr>
@@ -7441,7 +7934,7 @@
   <p:cSld>
     <p:spTree>
       <p:nvGrpSpPr>
-        <p:cNvPr id="92" name="Shape 92"/>
+        <p:cNvPr id="95" name="Shape 95"/>
         <p:cNvGrpSpPr/>
         <p:nvPr/>
       </p:nvGrpSpPr>
@@ -7455,7 +7948,7 @@
       </p:grpSpPr>
       <p:sp>
         <p:nvSpPr>
-          <p:cNvPr id="93" name="Google Shape;93;p14"/>
+          <p:cNvPr id="96" name="Google Shape;96;p14"/>
           <p:cNvSpPr txBox="1"/>
           <p:nvPr>
             <p:ph type="title"/>
@@ -7492,7 +7985,7 @@
             </a:pPr>
             <a:r>
               <a:rPr b="0" lang="en" sz="3000"/>
-              <a:t>Asset Prediction</a:t>
+              <a:t>Master Ownership Control</a:t>
             </a:r>
             <a:endParaRPr>
               <a:solidFill>
@@ -7504,7 +7997,7 @@
       </p:sp>
       <p:cxnSp>
         <p:nvCxnSpPr>
-          <p:cNvPr id="94" name="Google Shape;94;p14"/>
+          <p:cNvPr id="97" name="Google Shape;97;p14"/>
           <p:cNvCxnSpPr/>
           <p:nvPr/>
         </p:nvCxnSpPr>
@@ -7530,7 +8023,7 @@
       </p:cxnSp>
       <p:pic>
         <p:nvPicPr>
-          <p:cNvPr id="95" name="Google Shape;95;p14"/>
+          <p:cNvPr id="98" name="Google Shape;98;p14"/>
           <p:cNvPicPr preferRelativeResize="0"/>
           <p:nvPr/>
         </p:nvPicPr>
@@ -7558,7 +8051,7 @@
       </p:pic>
       <p:sp>
         <p:nvSpPr>
-          <p:cNvPr id="96" name="Google Shape;96;p14"/>
+          <p:cNvPr id="99" name="Google Shape;99;p14"/>
           <p:cNvSpPr txBox="1"/>
           <p:nvPr>
             <p:ph type="title"/>
@@ -7590,7 +8083,7 @@
             </a:pPr>
             <a:r>
               <a:rPr lang="en"/>
-              <a:t>Blockchain</a:t>
+              <a:t>Sustentabilidade</a:t>
             </a:r>
             <a:endParaRPr/>
           </a:p>
@@ -7598,7 +8091,7 @@
       </p:sp>
       <p:sp>
         <p:nvSpPr>
-          <p:cNvPr id="97" name="Google Shape;97;p14"/>
+          <p:cNvPr id="100" name="Google Shape;100;p14"/>
           <p:cNvSpPr txBox="1"/>
           <p:nvPr>
             <p:ph idx="12" type="sldNum"/>
@@ -7638,7 +8131,7 @@
       </p:sp>
       <p:sp>
         <p:nvSpPr>
-          <p:cNvPr id="98" name="Google Shape;98;p14"/>
+          <p:cNvPr id="101" name="Google Shape;101;p14"/>
           <p:cNvSpPr txBox="1"/>
           <p:nvPr>
             <p:ph idx="1" type="body"/>
@@ -7674,7 +8167,83 @@
             </a:pPr>
             <a:r>
               <a:rPr lang="en"/>
-              <a:t>Mitigar a Fraude</a:t>
+              <a:t>Cobrança de Fee</a:t>
+            </a:r>
+            <a:endParaRPr/>
+          </a:p>
+          <a:p>
+            <a:pPr indent="-381000" lvl="1" marL="914400" rtl="0" algn="just">
+              <a:lnSpc>
+                <a:spcPct val="115000"/>
+              </a:lnSpc>
+              <a:spcBef>
+                <a:spcPts val="0"/>
+              </a:spcBef>
+              <a:spcAft>
+                <a:spcPts val="0"/>
+              </a:spcAft>
+              <a:buSzPts val="2400"/>
+              <a:buChar char="○"/>
+            </a:pPr>
+            <a:r>
+              <a:rPr lang="en"/>
+              <a:t>Registro</a:t>
+            </a:r>
+            <a:endParaRPr/>
+          </a:p>
+          <a:p>
+            <a:pPr indent="-381000" lvl="1" marL="914400" rtl="0" algn="just">
+              <a:lnSpc>
+                <a:spcPct val="115000"/>
+              </a:lnSpc>
+              <a:spcBef>
+                <a:spcPts val="0"/>
+              </a:spcBef>
+              <a:spcAft>
+                <a:spcPts val="0"/>
+              </a:spcAft>
+              <a:buSzPts val="2400"/>
+              <a:buChar char="○"/>
+            </a:pPr>
+            <a:r>
+              <a:rPr lang="en"/>
+              <a:t>Consulta Externa</a:t>
+            </a:r>
+            <a:r>
+              <a:rPr lang="en"/>
+              <a:t> </a:t>
+            </a:r>
+            <a:r>
+              <a:rPr lang="en" sz="3000"/>
+              <a:t>(</a:t>
+            </a:r>
+            <a:r>
+              <a:rPr lang="en"/>
+              <a:t>seguindo a LGPD</a:t>
+            </a:r>
+            <a:r>
+              <a:rPr lang="en" sz="3000"/>
+              <a:t>)</a:t>
+            </a:r>
+            <a:endParaRPr/>
+          </a:p>
+          <a:p>
+            <a:pPr indent="-381000" lvl="1" marL="914400" rtl="0" algn="just">
+              <a:lnSpc>
+                <a:spcPct val="115000"/>
+              </a:lnSpc>
+              <a:spcBef>
+                <a:spcPts val="0"/>
+              </a:spcBef>
+              <a:spcAft>
+                <a:spcPts val="0"/>
+              </a:spcAft>
+              <a:buSzPts val="2400"/>
+              <a:buChar char="○"/>
+            </a:pPr>
+            <a:r>
+              <a:rPr lang="en"/>
+              <a:t>Alteração</a:t>
             </a:r>
             <a:endParaRPr/>
           </a:p>
@@ -7694,47 +8263,15 @@
             </a:pPr>
             <a:r>
               <a:rPr lang="en"/>
-              <a:t>Gerar Confiabilidade</a:t>
-            </a:r>
-            <a:endParaRPr/>
-          </a:p>
-          <a:p>
-            <a:pPr indent="-419100" lvl="0" marL="457200" rtl="0" algn="just">
-              <a:lnSpc>
-                <a:spcPct val="115000"/>
-              </a:lnSpc>
-              <a:spcBef>
-                <a:spcPts val="0"/>
-              </a:spcBef>
-              <a:spcAft>
-                <a:spcPts val="0"/>
-              </a:spcAft>
-              <a:buSzPts val="3000"/>
-              <a:buChar char="●"/>
-            </a:pPr>
+              <a:t>Geração de Estatísticas (</a:t>
+            </a:r>
+            <a:r>
+              <a:rPr lang="en" sz="2400"/>
+              <a:t>seguindo a LGPD</a:t>
+            </a:r>
             <a:r>
               <a:rPr lang="en"/>
-              <a:t>Gerar Privacidade onde é Cabido</a:t>
-            </a:r>
-            <a:endParaRPr/>
-          </a:p>
-          <a:p>
-            <a:pPr indent="-419100" lvl="0" marL="457200" rtl="0" algn="just">
-              <a:lnSpc>
-                <a:spcPct val="115000"/>
-              </a:lnSpc>
-              <a:spcBef>
-                <a:spcPts val="0"/>
-              </a:spcBef>
-              <a:spcAft>
-                <a:spcPts val="0"/>
-              </a:spcAft>
-              <a:buSzPts val="3000"/>
-              <a:buChar char="●"/>
-            </a:pPr>
-            <a:r>
-              <a:rPr lang="en"/>
-              <a:t>Gerar Transparência onde é Necessário</a:t>
+              <a:t>)</a:t>
             </a:r>
             <a:endParaRPr/>
           </a:p>
@@ -7773,7 +8310,7 @@
       </p:sp>
       <p:pic>
         <p:nvPicPr>
-          <p:cNvPr id="99" name="Google Shape;99;p14"/>
+          <p:cNvPr id="102" name="Google Shape;102;p14"/>
           <p:cNvPicPr preferRelativeResize="0"/>
           <p:nvPr/>
         </p:nvPicPr>
@@ -7812,7 +8349,7 @@
   <p:cSld>
     <p:spTree>
       <p:nvGrpSpPr>
-        <p:cNvPr id="103" name="Shape 103"/>
+        <p:cNvPr id="106" name="Shape 106"/>
         <p:cNvGrpSpPr/>
         <p:nvPr/>
       </p:nvGrpSpPr>
@@ -7826,7 +8363,7 @@
       </p:grpSpPr>
       <p:sp>
         <p:nvSpPr>
-          <p:cNvPr id="104" name="Google Shape;104;p15"/>
+          <p:cNvPr id="107" name="Google Shape;107;p15"/>
           <p:cNvSpPr txBox="1"/>
           <p:nvPr>
             <p:ph type="title"/>
@@ -7863,7 +8400,7 @@
             </a:pPr>
             <a:r>
               <a:rPr b="0" lang="en" sz="3000"/>
-              <a:t>Asset Prediction</a:t>
+              <a:t>Master Ownership Control</a:t>
             </a:r>
             <a:endParaRPr>
               <a:solidFill>
@@ -7875,7 +8412,7 @@
       </p:sp>
       <p:cxnSp>
         <p:nvCxnSpPr>
-          <p:cNvPr id="105" name="Google Shape;105;p15"/>
+          <p:cNvPr id="108" name="Google Shape;108;p15"/>
           <p:cNvCxnSpPr/>
           <p:nvPr/>
         </p:nvCxnSpPr>
@@ -7901,7 +8438,7 @@
       </p:cxnSp>
       <p:pic>
         <p:nvPicPr>
-          <p:cNvPr id="106" name="Google Shape;106;p15"/>
+          <p:cNvPr id="109" name="Google Shape;109;p15"/>
           <p:cNvPicPr preferRelativeResize="0"/>
           <p:nvPr/>
         </p:nvPicPr>
@@ -7929,7 +8466,7 @@
       </p:pic>
       <p:sp>
         <p:nvSpPr>
-          <p:cNvPr id="107" name="Google Shape;107;p15"/>
+          <p:cNvPr id="110" name="Google Shape;110;p15"/>
           <p:cNvSpPr txBox="1"/>
           <p:nvPr>
             <p:ph type="title"/>
@@ -7961,7 +8498,7 @@
             </a:pPr>
             <a:r>
               <a:rPr lang="en"/>
-              <a:t>Sustentabilidade</a:t>
+              <a:t>Blockchain</a:t>
             </a:r>
             <a:endParaRPr/>
           </a:p>
@@ -7969,7 +8506,7 @@
       </p:sp>
       <p:sp>
         <p:nvSpPr>
-          <p:cNvPr id="108" name="Google Shape;108;p15"/>
+          <p:cNvPr id="111" name="Google Shape;111;p15"/>
           <p:cNvSpPr txBox="1"/>
           <p:nvPr>
             <p:ph idx="12" type="sldNum"/>
@@ -8009,7 +8546,7 @@
       </p:sp>
       <p:sp>
         <p:nvSpPr>
-          <p:cNvPr id="109" name="Google Shape;109;p15"/>
+          <p:cNvPr id="112" name="Google Shape;112;p15"/>
           <p:cNvSpPr txBox="1"/>
           <p:nvPr>
             <p:ph idx="1" type="body"/>
@@ -8045,83 +8582,7 @@
             </a:pPr>
             <a:r>
               <a:rPr lang="en"/>
-              <a:t>Cobrança de Fee</a:t>
-            </a:r>
-            <a:endParaRPr/>
-          </a:p>
-          <a:p>
-            <a:pPr indent="-381000" lvl="1" marL="914400" rtl="0" algn="just">
-              <a:lnSpc>
-                <a:spcPct val="115000"/>
-              </a:lnSpc>
-              <a:spcBef>
-                <a:spcPts val="0"/>
-              </a:spcBef>
-              <a:spcAft>
-                <a:spcPts val="0"/>
-              </a:spcAft>
-              <a:buSzPts val="2400"/>
-              <a:buChar char="○"/>
-            </a:pPr>
-            <a:r>
-              <a:rPr lang="en"/>
-              <a:t>Registro</a:t>
-            </a:r>
-            <a:endParaRPr/>
-          </a:p>
-          <a:p>
-            <a:pPr indent="-381000" lvl="1" marL="914400" rtl="0" algn="just">
-              <a:lnSpc>
-                <a:spcPct val="115000"/>
-              </a:lnSpc>
-              <a:spcBef>
-                <a:spcPts val="0"/>
-              </a:spcBef>
-              <a:spcAft>
-                <a:spcPts val="0"/>
-              </a:spcAft>
-              <a:buSzPts val="2400"/>
-              <a:buChar char="○"/>
-            </a:pPr>
-            <a:r>
-              <a:rPr lang="en"/>
-              <a:t>Consulta Externa</a:t>
-            </a:r>
-            <a:r>
-              <a:rPr lang="en"/>
-              <a:t> </a:t>
-            </a:r>
-            <a:r>
-              <a:rPr lang="en" sz="3000"/>
-              <a:t>(</a:t>
-            </a:r>
-            <a:r>
-              <a:rPr lang="en"/>
-              <a:t>seguindo a LGPD</a:t>
-            </a:r>
-            <a:r>
-              <a:rPr lang="en" sz="3000"/>
-              <a:t>)</a:t>
-            </a:r>
-            <a:endParaRPr/>
-          </a:p>
-          <a:p>
-            <a:pPr indent="-381000" lvl="1" marL="914400" rtl="0" algn="just">
-              <a:lnSpc>
-                <a:spcPct val="115000"/>
-              </a:lnSpc>
-              <a:spcBef>
-                <a:spcPts val="0"/>
-              </a:spcBef>
-              <a:spcAft>
-                <a:spcPts val="0"/>
-              </a:spcAft>
-              <a:buSzPts val="2400"/>
-              <a:buChar char="○"/>
-            </a:pPr>
-            <a:r>
-              <a:rPr lang="en"/>
-              <a:t>Alteração</a:t>
+              <a:t>Mitigar a Fraude</a:t>
             </a:r>
             <a:endParaRPr/>
           </a:p>
@@ -8141,15 +8602,47 @@
             </a:pPr>
             <a:r>
               <a:rPr lang="en"/>
-              <a:t>Geração de Estatísticas (</a:t>
-            </a:r>
-            <a:r>
-              <a:rPr lang="en" sz="2400"/>
-              <a:t>seguindo a LGPD</a:t>
-            </a:r>
+              <a:t>Gerar Confiabilidade</a:t>
+            </a:r>
+            <a:endParaRPr/>
+          </a:p>
+          <a:p>
+            <a:pPr indent="-419100" lvl="0" marL="457200" rtl="0" algn="just">
+              <a:lnSpc>
+                <a:spcPct val="115000"/>
+              </a:lnSpc>
+              <a:spcBef>
+                <a:spcPts val="0"/>
+              </a:spcBef>
+              <a:spcAft>
+                <a:spcPts val="0"/>
+              </a:spcAft>
+              <a:buSzPts val="3000"/>
+              <a:buChar char="●"/>
+            </a:pPr>
             <a:r>
               <a:rPr lang="en"/>
-              <a:t>)</a:t>
+              <a:t>Gerar Privacidade onde é Cabido</a:t>
+            </a:r>
+            <a:endParaRPr/>
+          </a:p>
+          <a:p>
+            <a:pPr indent="-419100" lvl="0" marL="457200" rtl="0" algn="just">
+              <a:lnSpc>
+                <a:spcPct val="115000"/>
+              </a:lnSpc>
+              <a:spcBef>
+                <a:spcPts val="0"/>
+              </a:spcBef>
+              <a:spcAft>
+                <a:spcPts val="0"/>
+              </a:spcAft>
+              <a:buSzPts val="3000"/>
+              <a:buChar char="●"/>
+            </a:pPr>
+            <a:r>
+              <a:rPr lang="en"/>
+              <a:t>Gerar Transparência onde é Necessário</a:t>
             </a:r>
             <a:endParaRPr/>
           </a:p>
@@ -8188,7 +8681,7 @@
       </p:sp>
       <p:pic>
         <p:nvPicPr>
-          <p:cNvPr id="110" name="Google Shape;110;p15"/>
+          <p:cNvPr id="113" name="Google Shape;113;p15"/>
           <p:cNvPicPr preferRelativeResize="0"/>
           <p:nvPr/>
         </p:nvPicPr>
@@ -8227,7 +8720,7 @@
   <p:cSld>
     <p:spTree>
       <p:nvGrpSpPr>
-        <p:cNvPr id="114" name="Shape 114"/>
+        <p:cNvPr id="117" name="Shape 117"/>
         <p:cNvGrpSpPr/>
         <p:nvPr/>
       </p:nvGrpSpPr>
@@ -8241,7 +8734,7 @@
       </p:grpSpPr>
       <p:sp>
         <p:nvSpPr>
-          <p:cNvPr id="115" name="Google Shape;115;p16"/>
+          <p:cNvPr id="118" name="Google Shape;118;p16"/>
           <p:cNvSpPr txBox="1"/>
           <p:nvPr>
             <p:ph type="title"/>
@@ -8278,7 +8771,7 @@
             </a:pPr>
             <a:r>
               <a:rPr b="0" lang="en" sz="3000"/>
-              <a:t>Asset Prediction</a:t>
+              <a:t>Master Ownership Control</a:t>
             </a:r>
             <a:endParaRPr>
               <a:solidFill>
@@ -8290,7 +8783,7 @@
       </p:sp>
       <p:cxnSp>
         <p:nvCxnSpPr>
-          <p:cNvPr id="116" name="Google Shape;116;p16"/>
+          <p:cNvPr id="119" name="Google Shape;119;p16"/>
           <p:cNvCxnSpPr/>
           <p:nvPr/>
         </p:nvCxnSpPr>
@@ -8316,7 +8809,7 @@
       </p:cxnSp>
       <p:pic>
         <p:nvPicPr>
-          <p:cNvPr id="117" name="Google Shape;117;p16"/>
+          <p:cNvPr id="120" name="Google Shape;120;p16"/>
           <p:cNvPicPr preferRelativeResize="0"/>
           <p:nvPr/>
         </p:nvPicPr>
@@ -8344,7 +8837,7 @@
       </p:pic>
       <p:sp>
         <p:nvSpPr>
-          <p:cNvPr id="118" name="Google Shape;118;p16"/>
+          <p:cNvPr id="121" name="Google Shape;121;p16"/>
           <p:cNvSpPr txBox="1"/>
           <p:nvPr>
             <p:ph type="title"/>
@@ -8376,7 +8869,7 @@
             </a:pPr>
             <a:r>
               <a:rPr lang="en"/>
-              <a:t>Referências</a:t>
+              <a:t>Desenvolvimento</a:t>
             </a:r>
             <a:endParaRPr/>
           </a:p>
@@ -8384,7 +8877,47 @@
       </p:sp>
       <p:sp>
         <p:nvSpPr>
-          <p:cNvPr id="119" name="Google Shape;119;p16"/>
+          <p:cNvPr id="122" name="Google Shape;122;p16"/>
+          <p:cNvSpPr txBox="1"/>
+          <p:nvPr>
+            <p:ph idx="12" type="sldNum"/>
+          </p:nvPr>
+        </p:nvSpPr>
+        <p:spPr>
+          <a:xfrm>
+            <a:off x="8556784" y="4749851"/>
+            <a:ext cx="548700" cy="393600"/>
+          </a:xfrm>
+          <a:prstGeom prst="rect">
+            <a:avLst/>
+          </a:prstGeom>
+        </p:spPr>
+        <p:txBody>
+          <a:bodyPr anchorCtr="0" anchor="t" bIns="91425" lIns="91425" spcFirstLastPara="1" rIns="91425" wrap="square" tIns="91425">
+            <a:noAutofit/>
+          </a:bodyPr>
+          <a:lstStyle/>
+          <a:p>
+            <a:pPr indent="0" lvl="0" marL="0" rtl="0" algn="r">
+              <a:spcBef>
+                <a:spcPts val="0"/>
+              </a:spcBef>
+              <a:spcAft>
+                <a:spcPts val="0"/>
+              </a:spcAft>
+              <a:buNone/>
+            </a:pPr>
+            <a:fld id="{00000000-1234-1234-1234-123412341234}" type="slidenum">
+              <a:rPr lang="en"/>
+              <a:t>‹#›</a:t>
+            </a:fld>
+            <a:endParaRPr/>
+          </a:p>
+        </p:txBody>
+      </p:sp>
+      <p:sp>
+        <p:nvSpPr>
+          <p:cNvPr id="123" name="Google Shape;123;p16"/>
           <p:cNvSpPr txBox="1"/>
           <p:nvPr>
             <p:ph idx="1" type="body"/>
@@ -8392,8 +8925,8 @@
         </p:nvSpPr>
         <p:spPr>
           <a:xfrm>
-            <a:off x="841700" y="1645150"/>
-            <a:ext cx="7715100" cy="1031400"/>
+            <a:off x="2455200" y="1466850"/>
+            <a:ext cx="5097000" cy="3198900"/>
           </a:xfrm>
           <a:prstGeom prst="rect">
             <a:avLst/>
@@ -8405,9 +8938,9 @@
           </a:bodyPr>
           <a:lstStyle/>
           <a:p>
-            <a:pPr indent="0" lvl="0" marL="0" rtl="0" algn="just">
+            <a:pPr indent="-419100" lvl="0" marL="457200" rtl="0" algn="just">
               <a:lnSpc>
-                <a:spcPct val="100000"/>
+                <a:spcPct val="115000"/>
               </a:lnSpc>
               <a:spcBef>
                 <a:spcPts val="600"/>
@@ -8415,73 +8948,100 @@
               <a:spcAft>
                 <a:spcPts val="0"/>
               </a:spcAft>
-              <a:buNone/>
-            </a:pPr>
-            <a:r>
-              <a:rPr lang="en" sz="1500">
-                <a:solidFill>
-                  <a:srgbClr val="222222"/>
-                </a:solidFill>
-                <a:highlight>
-                  <a:srgbClr val="FFFFFF"/>
-                </a:highlight>
-              </a:rPr>
-              <a:t>Notas de Aula dos Professora, via EAD, PUC-rio, 2020</a:t>
-            </a:r>
-            <a:endParaRPr sz="1500">
-              <a:solidFill>
-                <a:srgbClr val="222222"/>
-              </a:solidFill>
-              <a:highlight>
-                <a:srgbClr val="FFFFFF"/>
-              </a:highlight>
-            </a:endParaRPr>
-          </a:p>
-        </p:txBody>
-      </p:sp>
-      <p:sp>
-        <p:nvSpPr>
-          <p:cNvPr id="120" name="Google Shape;120;p16"/>
-          <p:cNvSpPr txBox="1"/>
-          <p:nvPr>
-            <p:ph idx="12" type="sldNum"/>
-          </p:nvPr>
-        </p:nvSpPr>
-        <p:spPr>
-          <a:xfrm>
-            <a:off x="8556784" y="4749851"/>
-            <a:ext cx="548700" cy="393600"/>
-          </a:xfrm>
-          <a:prstGeom prst="rect">
-            <a:avLst/>
-          </a:prstGeom>
-        </p:spPr>
-        <p:txBody>
-          <a:bodyPr anchorCtr="0" anchor="t" bIns="91425" lIns="91425" spcFirstLastPara="1" rIns="91425" wrap="square" tIns="91425">
-            <a:noAutofit/>
-          </a:bodyPr>
-          <a:lstStyle/>
-          <a:p>
-            <a:pPr indent="0" lvl="0" marL="0" rtl="0" algn="r">
-              <a:spcBef>
-                <a:spcPts val="0"/>
-              </a:spcBef>
-              <a:spcAft>
-                <a:spcPts val="0"/>
-              </a:spcAft>
-              <a:buNone/>
-            </a:pPr>
-            <a:fld id="{00000000-1234-1234-1234-123412341234}" type="slidenum">
+              <a:buSzPts val="3000"/>
+              <a:buChar char="●"/>
+            </a:pPr>
+            <a:r>
               <a:rPr lang="en"/>
-              <a:t>‹#›</a:t>
-            </a:fld>
+              <a:t>Operações Básicas</a:t>
+            </a:r>
+            <a:endParaRPr/>
+          </a:p>
+          <a:p>
+            <a:pPr indent="-419100" lvl="0" marL="457200" rtl="0" algn="just">
+              <a:lnSpc>
+                <a:spcPct val="115000"/>
+              </a:lnSpc>
+              <a:spcBef>
+                <a:spcPts val="0"/>
+              </a:spcBef>
+              <a:spcAft>
+                <a:spcPts val="0"/>
+              </a:spcAft>
+              <a:buSzPts val="3000"/>
+              <a:buChar char="●"/>
+            </a:pPr>
+            <a:r>
+              <a:rPr lang="en"/>
+              <a:t>Código</a:t>
+            </a:r>
+            <a:endParaRPr/>
+          </a:p>
+          <a:p>
+            <a:pPr indent="-419100" lvl="0" marL="457200" rtl="0" algn="just">
+              <a:lnSpc>
+                <a:spcPct val="115000"/>
+              </a:lnSpc>
+              <a:spcBef>
+                <a:spcPts val="0"/>
+              </a:spcBef>
+              <a:spcAft>
+                <a:spcPts val="0"/>
+              </a:spcAft>
+              <a:buSzPts val="3000"/>
+              <a:buChar char="●"/>
+            </a:pPr>
+            <a:r>
+              <a:rPr lang="en"/>
+              <a:t>Web3</a:t>
+            </a:r>
+            <a:endParaRPr/>
+          </a:p>
+          <a:p>
+            <a:pPr indent="-419100" lvl="0" marL="457200" rtl="0" algn="just">
+              <a:lnSpc>
+                <a:spcPct val="115000"/>
+              </a:lnSpc>
+              <a:spcBef>
+                <a:spcPts val="0"/>
+              </a:spcBef>
+              <a:spcAft>
+                <a:spcPts val="0"/>
+              </a:spcAft>
+              <a:buSzPts val="3000"/>
+              <a:buChar char="●"/>
+            </a:pPr>
+            <a:r>
+              <a:rPr lang="en"/>
+              <a:t>GitHub Pages</a:t>
+            </a:r>
+            <a:endParaRPr/>
+          </a:p>
+          <a:p>
+            <a:pPr indent="-419100" lvl="0" marL="457200" rtl="0" algn="just">
+              <a:lnSpc>
+                <a:spcPct val="115000"/>
+              </a:lnSpc>
+              <a:spcBef>
+                <a:spcPts val="0"/>
+              </a:spcBef>
+              <a:spcAft>
+                <a:spcPts val="0"/>
+              </a:spcAft>
+              <a:buSzPts val="3000"/>
+              <a:buChar char="●"/>
+            </a:pPr>
+            <a:r>
+              <a:rPr lang="en"/>
+              <a:t>JavaScript</a:t>
+            </a:r>
             <a:endParaRPr/>
           </a:p>
         </p:txBody>
       </p:sp>
       <p:pic>
         <p:nvPicPr>
-          <p:cNvPr id="121" name="Google Shape;121;p16"/>
+          <p:cNvPr id="124" name="Google Shape;124;p16"/>
           <p:cNvPicPr preferRelativeResize="0"/>
           <p:nvPr/>
         </p:nvPicPr>
@@ -8516,6 +9076,285 @@
 </file>
 
 <file path=ppt/theme/theme1.xml><?xml version="1.0" encoding="utf-8"?>
+<a:theme xmlns:a="http://schemas.openxmlformats.org/drawingml/2006/main" xmlns:r="http://schemas.openxmlformats.org/officeDocument/2006/relationships" name="Simple Light">
+  <a:themeElements>
+    <a:clrScheme name="Custom 347">
+      <a:dk1>
+        <a:srgbClr val="000000"/>
+      </a:dk1>
+      <a:lt1>
+        <a:srgbClr val="FFFFFF"/>
+      </a:lt1>
+      <a:dk2>
+        <a:srgbClr val="666666"/>
+      </a:dk2>
+      <a:lt2>
+        <a:srgbClr val="CCCCCC"/>
+      </a:lt2>
+      <a:accent1>
+        <a:srgbClr val="3A81BA"/>
+      </a:accent1>
+      <a:accent2>
+        <a:srgbClr val="D89F39"/>
+      </a:accent2>
+      <a:accent3>
+        <a:srgbClr val="8BAB42"/>
+      </a:accent3>
+      <a:accent4>
+        <a:srgbClr val="57A7B5"/>
+      </a:accent4>
+      <a:accent5>
+        <a:srgbClr val="8B81D2"/>
+      </a:accent5>
+      <a:accent6>
+        <a:srgbClr val="963334"/>
+      </a:accent6>
+      <a:hlink>
+        <a:srgbClr val="1155CC"/>
+      </a:hlink>
+      <a:folHlink>
+        <a:srgbClr val="6611CC"/>
+      </a:folHlink>
+    </a:clrScheme>
+    <a:fontScheme name="Office">
+      <a:majorFont>
+        <a:latin typeface="Arial"/>
+        <a:ea typeface=""/>
+        <a:cs typeface=""/>
+        <a:font script="Jpan" typeface="ＭＳ Ｐゴシック"/>
+        <a:font script="Hang" typeface="맑은 고딕"/>
+        <a:font script="Hans" typeface="宋体"/>
+        <a:font script="Hant" typeface="新細明體"/>
+        <a:font script="Arab" typeface="Times New Roman"/>
+        <a:font script="Hebr" typeface="Times New Roman"/>
+        <a:font script="Thai" typeface="Angsana New"/>
+        <a:font script="Ethi" typeface="Nyala"/>
+        <a:font script="Beng" typeface="Vrinda"/>
+        <a:font script="Gujr" typeface="Shruti"/>
+        <a:font script="Khmr" typeface="MoolBoran"/>
+        <a:font script="Knda" typeface="Tunga"/>
+        <a:font script="Guru" typeface="Raavi"/>
+        <a:font script="Cans" typeface="Euphemia"/>
+        <a:font script="Cher" typeface="Plantagenet Cherokee"/>
+        <a:font script="Yiii" typeface="Microsoft Yi Baiti"/>
+        <a:font script="Tibt" typeface="Microsoft Himalaya"/>
+        <a:font script="Thaa" typeface="MV Boli"/>
+        <a:font script="Deva" typeface="Mangal"/>
+        <a:font script="Telu" typeface="Gautami"/>
+        <a:font script="Taml" typeface="Latha"/>
+        <a:font script="Syrc" typeface="Estrangelo Edessa"/>
+        <a:font script="Orya" typeface="Kalinga"/>
+        <a:font script="Mlym" typeface="Kartika"/>
+        <a:font script="Laoo" typeface="DokChampa"/>
+        <a:font script="Sinh" typeface="Iskoola Pota"/>
+        <a:font script="Mong" typeface="Mongolian Baiti"/>
+        <a:font script="Viet" typeface="Times New Roman"/>
+        <a:font script="Uigh" typeface="Microsoft Uighur"/>
+        <a:font script="Geor" typeface="Sylfaen"/>
+      </a:majorFont>
+      <a:minorFont>
+        <a:latin typeface="Arial"/>
+        <a:ea typeface=""/>
+        <a:cs typeface=""/>
+        <a:font script="Jpan" typeface="ＭＳ Ｐゴシック"/>
+        <a:font script="Hang" typeface="맑은 고딕"/>
+        <a:font script="Hans" typeface="宋体"/>
+        <a:font script="Hant" typeface="新細明體"/>
+        <a:font script="Arab" typeface="Arial"/>
+        <a:font script="Hebr" typeface="Arial"/>
+        <a:font script="Thai" typeface="Cordia New"/>
+        <a:font script="Ethi" typeface="Nyala"/>
+        <a:font script="Beng" typeface="Vrinda"/>
+        <a:font script="Gujr" typeface="Shruti"/>
+        <a:font script="Khmr" typeface="DaunPenh"/>
+        <a:font script="Knda" typeface="Tunga"/>
+        <a:font script="Guru" typeface="Raavi"/>
+        <a:font script="Cans" typeface="Euphemia"/>
+        <a:font script="Cher" typeface="Plantagenet Cherokee"/>
+        <a:font script="Yiii" typeface="Microsoft Yi Baiti"/>
+        <a:font script="Tibt" typeface="Microsoft Himalaya"/>
+        <a:font script="Thaa" typeface="MV Boli"/>
+        <a:font script="Deva" typeface="Mangal"/>
+        <a:font script="Telu" typeface="Gautami"/>
+        <a:font script="Taml" typeface="Latha"/>
+        <a:font script="Syrc" typeface="Estrangelo Edessa"/>
+        <a:font script="Orya" typeface="Kalinga"/>
+        <a:font script="Mlym" typeface="Kartika"/>
+        <a:font script="Laoo" typeface="DokChampa"/>
+        <a:font script="Sinh" typeface="Iskoola Pota"/>
+        <a:font script="Mong" typeface="Mongolian Baiti"/>
+        <a:font script="Viet" typeface="Arial"/>
+        <a:font script="Uigh" typeface="Microsoft Uighur"/>
+        <a:font script="Geor" typeface="Sylfaen"/>
+      </a:minorFont>
+    </a:fontScheme>
+    <a:fmtScheme name="Office">
+      <a:fillStyleLst>
+        <a:solidFill>
+          <a:schemeClr val="phClr"/>
+        </a:solidFill>
+        <a:gradFill rotWithShape="1">
+          <a:gsLst>
+            <a:gs pos="0">
+              <a:schemeClr val="phClr">
+                <a:tint val="50000"/>
+                <a:satMod val="300000"/>
+              </a:schemeClr>
+            </a:gs>
+            <a:gs pos="35000">
+              <a:schemeClr val="phClr">
+                <a:tint val="37000"/>
+                <a:satMod val="300000"/>
+              </a:schemeClr>
+            </a:gs>
+            <a:gs pos="100000">
+              <a:schemeClr val="phClr">
+                <a:tint val="15000"/>
+                <a:satMod val="350000"/>
+              </a:schemeClr>
+            </a:gs>
+          </a:gsLst>
+          <a:lin ang="16200000" scaled="1"/>
+        </a:gradFill>
+        <a:gradFill rotWithShape="1">
+          <a:gsLst>
+            <a:gs pos="0">
+              <a:schemeClr val="phClr">
+                <a:tint val="100000"/>
+                <a:shade val="100000"/>
+                <a:satMod val="130000"/>
+              </a:schemeClr>
+            </a:gs>
+            <a:gs pos="100000">
+              <a:schemeClr val="phClr">
+                <a:tint val="50000"/>
+                <a:shade val="100000"/>
+                <a:satMod val="350000"/>
+              </a:schemeClr>
+            </a:gs>
+          </a:gsLst>
+          <a:lin ang="16200000" scaled="0"/>
+        </a:gradFill>
+      </a:fillStyleLst>
+      <a:lnStyleLst>
+        <a:ln w="9525" cap="flat" cmpd="sng" algn="ctr">
+          <a:solidFill>
+            <a:schemeClr val="phClr">
+              <a:shade val="95000"/>
+              <a:satMod val="105000"/>
+            </a:schemeClr>
+          </a:solidFill>
+          <a:prstDash val="solid"/>
+        </a:ln>
+        <a:ln w="25400" cap="flat" cmpd="sng" algn="ctr">
+          <a:solidFill>
+            <a:schemeClr val="phClr"/>
+          </a:solidFill>
+          <a:prstDash val="solid"/>
+        </a:ln>
+        <a:ln w="38100" cap="flat" cmpd="sng" algn="ctr">
+          <a:solidFill>
+            <a:schemeClr val="phClr"/>
+          </a:solidFill>
+          <a:prstDash val="solid"/>
+        </a:ln>
+      </a:lnStyleLst>
+      <a:effectStyleLst>
+        <a:effectStyle>
+          <a:effectLst>
+            <a:outerShdw blurRad="40000" dist="20000" dir="5400000" rotWithShape="0">
+              <a:srgbClr val="000000">
+                <a:alpha val="38000"/>
+              </a:srgbClr>
+            </a:outerShdw>
+          </a:effectLst>
+        </a:effectStyle>
+        <a:effectStyle>
+          <a:effectLst>
+            <a:outerShdw blurRad="40000" dist="23000" dir="5400000" rotWithShape="0">
+              <a:srgbClr val="000000">
+                <a:alpha val="35000"/>
+              </a:srgbClr>
+            </a:outerShdw>
+          </a:effectLst>
+        </a:effectStyle>
+        <a:effectStyle>
+          <a:effectLst>
+            <a:outerShdw blurRad="40000" dist="23000" dir="5400000" rotWithShape="0">
+              <a:srgbClr val="000000">
+                <a:alpha val="35000"/>
+              </a:srgbClr>
+            </a:outerShdw>
+          </a:effectLst>
+          <a:scene3d>
+            <a:camera prst="orthographicFront">
+              <a:rot lat="0" lon="0" rev="0"/>
+            </a:camera>
+            <a:lightRig rig="threePt" dir="t">
+              <a:rot lat="0" lon="0" rev="1200000"/>
+            </a:lightRig>
+          </a:scene3d>
+          <a:sp3d>
+            <a:bevelT w="63500" h="25400"/>
+          </a:sp3d>
+        </a:effectStyle>
+      </a:effectStyleLst>
+      <a:bgFillStyleLst>
+        <a:solidFill>
+          <a:schemeClr val="phClr"/>
+        </a:solidFill>
+        <a:gradFill rotWithShape="1">
+          <a:gsLst>
+            <a:gs pos="0">
+              <a:schemeClr val="phClr">
+                <a:tint val="40000"/>
+                <a:satMod val="350000"/>
+              </a:schemeClr>
+            </a:gs>
+            <a:gs pos="40000">
+              <a:schemeClr val="phClr">
+                <a:tint val="45000"/>
+                <a:shade val="99000"/>
+                <a:satMod val="350000"/>
+              </a:schemeClr>
+            </a:gs>
+            <a:gs pos="100000">
+              <a:schemeClr val="phClr">
+                <a:shade val="20000"/>
+                <a:satMod val="255000"/>
+              </a:schemeClr>
+            </a:gs>
+          </a:gsLst>
+          <a:path path="circle">
+            <a:fillToRect l="50000" t="-80000" r="50000" b="180000"/>
+          </a:path>
+        </a:gradFill>
+        <a:gradFill rotWithShape="1">
+          <a:gsLst>
+            <a:gs pos="0">
+              <a:schemeClr val="phClr">
+                <a:tint val="80000"/>
+                <a:satMod val="300000"/>
+              </a:schemeClr>
+            </a:gs>
+            <a:gs pos="100000">
+              <a:schemeClr val="phClr">
+                <a:shade val="30000"/>
+                <a:satMod val="200000"/>
+              </a:schemeClr>
+            </a:gs>
+          </a:gsLst>
+          <a:path path="circle">
+            <a:fillToRect l="50000" t="50000" r="50000" b="50000"/>
+          </a:path>
+        </a:gradFill>
+      </a:bgFillStyleLst>
+    </a:fmtScheme>
+  </a:themeElements>
+</a:theme>
+</file>
+
+<file path=ppt/theme/theme2.xml><?xml version="1.0" encoding="utf-8"?>
 <a:theme xmlns:a="http://schemas.openxmlformats.org/drawingml/2006/main" xmlns:r="http://schemas.openxmlformats.org/officeDocument/2006/relationships">
   <a:themeElements>
     <a:clrScheme name="Default">
@@ -8792,283 +9631,4 @@
     </a:fmtScheme>
   </a:themeElements>
 </a:theme>
-</file>
-
-<file path=ppt/theme/theme2.xml><?xml version="1.0" encoding="utf-8"?>
-<a:theme xmlns:a="http://schemas.openxmlformats.org/drawingml/2006/main" xmlns:r="http://schemas.openxmlformats.org/officeDocument/2006/relationships" name="Simple Light">
-  <a:themeElements>
-    <a:clrScheme name="Custom 347">
-      <a:dk1>
-        <a:srgbClr val="000000"/>
-      </a:dk1>
-      <a:lt1>
-        <a:srgbClr val="FFFFFF"/>
-      </a:lt1>
-      <a:dk2>
-        <a:srgbClr val="666666"/>
-      </a:dk2>
-      <a:lt2>
-        <a:srgbClr val="CCCCCC"/>
-      </a:lt2>
-      <a:accent1>
-        <a:srgbClr val="3A81BA"/>
-      </a:accent1>
-      <a:accent2>
-        <a:srgbClr val="D89F39"/>
-      </a:accent2>
-      <a:accent3>
-        <a:srgbClr val="8BAB42"/>
-      </a:accent3>
-      <a:accent4>
-        <a:srgbClr val="57A7B5"/>
-      </a:accent4>
-      <a:accent5>
-        <a:srgbClr val="8B81D2"/>
-      </a:accent5>
-      <a:accent6>
-        <a:srgbClr val="963334"/>
-      </a:accent6>
-      <a:hlink>
-        <a:srgbClr val="1155CC"/>
-      </a:hlink>
-      <a:folHlink>
-        <a:srgbClr val="6611CC"/>
-      </a:folHlink>
-    </a:clrScheme>
-    <a:fontScheme name="Office">
-      <a:majorFont>
-        <a:latin typeface="Arial"/>
-        <a:ea typeface=""/>
-        <a:cs typeface=""/>
-        <a:font script="Jpan" typeface="ＭＳ Ｐゴシック"/>
-        <a:font script="Hang" typeface="맑은 고딕"/>
-        <a:font script="Hans" typeface="宋体"/>
-        <a:font script="Hant" typeface="新細明體"/>
-        <a:font script="Arab" typeface="Times New Roman"/>
-        <a:font script="Hebr" typeface="Times New Roman"/>
-        <a:font script="Thai" typeface="Angsana New"/>
-        <a:font script="Ethi" typeface="Nyala"/>
-        <a:font script="Beng" typeface="Vrinda"/>
-        <a:font script="Gujr" typeface="Shruti"/>
-        <a:font script="Khmr" typeface="MoolBoran"/>
-        <a:font script="Knda" typeface="Tunga"/>
-        <a:font script="Guru" typeface="Raavi"/>
-        <a:font script="Cans" typeface="Euphemia"/>
-        <a:font script="Cher" typeface="Plantagenet Cherokee"/>
-        <a:font script="Yiii" typeface="Microsoft Yi Baiti"/>
-        <a:font script="Tibt" typeface="Microsoft Himalaya"/>
-        <a:font script="Thaa" typeface="MV Boli"/>
-        <a:font script="Deva" typeface="Mangal"/>
-        <a:font script="Telu" typeface="Gautami"/>
-        <a:font script="Taml" typeface="Latha"/>
-        <a:font script="Syrc" typeface="Estrangelo Edessa"/>
-        <a:font script="Orya" typeface="Kalinga"/>
-        <a:font script="Mlym" typeface="Kartika"/>
-        <a:font script="Laoo" typeface="DokChampa"/>
-        <a:font script="Sinh" typeface="Iskoola Pota"/>
-        <a:font script="Mong" typeface="Mongolian Baiti"/>
-        <a:font script="Viet" typeface="Times New Roman"/>
-        <a:font script="Uigh" typeface="Microsoft Uighur"/>
-        <a:font script="Geor" typeface="Sylfaen"/>
-      </a:majorFont>
-      <a:minorFont>
-        <a:latin typeface="Arial"/>
-        <a:ea typeface=""/>
-        <a:cs typeface=""/>
-        <a:font script="Jpan" typeface="ＭＳ Ｐゴシック"/>
-        <a:font script="Hang" typeface="맑은 고딕"/>
-        <a:font script="Hans" typeface="宋体"/>
-        <a:font script="Hant" typeface="新細明體"/>
-        <a:font script="Arab" typeface="Arial"/>
-        <a:font script="Hebr" typeface="Arial"/>
-        <a:font script="Thai" typeface="Cordia New"/>
-        <a:font script="Ethi" typeface="Nyala"/>
-        <a:font script="Beng" typeface="Vrinda"/>
-        <a:font script="Gujr" typeface="Shruti"/>
-        <a:font script="Khmr" typeface="DaunPenh"/>
-        <a:font script="Knda" typeface="Tunga"/>
-        <a:font script="Guru" typeface="Raavi"/>
-        <a:font script="Cans" typeface="Euphemia"/>
-        <a:font script="Cher" typeface="Plantagenet Cherokee"/>
-        <a:font script="Yiii" typeface="Microsoft Yi Baiti"/>
-        <a:font script="Tibt" typeface="Microsoft Himalaya"/>
-        <a:font script="Thaa" typeface="MV Boli"/>
-        <a:font script="Deva" typeface="Mangal"/>
-        <a:font script="Telu" typeface="Gautami"/>
-        <a:font script="Taml" typeface="Latha"/>
-        <a:font script="Syrc" typeface="Estrangelo Edessa"/>
-        <a:font script="Orya" typeface="Kalinga"/>
-        <a:font script="Mlym" typeface="Kartika"/>
-        <a:font script="Laoo" typeface="DokChampa"/>
-        <a:font script="Sinh" typeface="Iskoola Pota"/>
-        <a:font script="Mong" typeface="Mongolian Baiti"/>
-        <a:font script="Viet" typeface="Arial"/>
-        <a:font script="Uigh" typeface="Microsoft Uighur"/>
-        <a:font script="Geor" typeface="Sylfaen"/>
-      </a:minorFont>
-    </a:fontScheme>
-    <a:fmtScheme name="Office">
-      <a:fillStyleLst>
-        <a:solidFill>
-          <a:schemeClr val="phClr"/>
-        </a:solidFill>
-        <a:gradFill rotWithShape="1">
-          <a:gsLst>
-            <a:gs pos="0">
-              <a:schemeClr val="phClr">
-                <a:tint val="50000"/>
-                <a:satMod val="300000"/>
-              </a:schemeClr>
-            </a:gs>
-            <a:gs pos="35000">
-              <a:schemeClr val="phClr">
-                <a:tint val="37000"/>
-                <a:satMod val="300000"/>
-              </a:schemeClr>
-            </a:gs>
-            <a:gs pos="100000">
-              <a:schemeClr val="phClr">
-                <a:tint val="15000"/>
-                <a:satMod val="350000"/>
-              </a:schemeClr>
-            </a:gs>
-          </a:gsLst>
-          <a:lin ang="16200000" scaled="1"/>
-        </a:gradFill>
-        <a:gradFill rotWithShape="1">
-          <a:gsLst>
-            <a:gs pos="0">
-              <a:schemeClr val="phClr">
-                <a:tint val="100000"/>
-                <a:shade val="100000"/>
-                <a:satMod val="130000"/>
-              </a:schemeClr>
-            </a:gs>
-            <a:gs pos="100000">
-              <a:schemeClr val="phClr">
-                <a:tint val="50000"/>
-                <a:shade val="100000"/>
-                <a:satMod val="350000"/>
-              </a:schemeClr>
-            </a:gs>
-          </a:gsLst>
-          <a:lin ang="16200000" scaled="0"/>
-        </a:gradFill>
-      </a:fillStyleLst>
-      <a:lnStyleLst>
-        <a:ln w="9525" cap="flat" cmpd="sng" algn="ctr">
-          <a:solidFill>
-            <a:schemeClr val="phClr">
-              <a:shade val="95000"/>
-              <a:satMod val="105000"/>
-            </a:schemeClr>
-          </a:solidFill>
-          <a:prstDash val="solid"/>
-        </a:ln>
-        <a:ln w="25400" cap="flat" cmpd="sng" algn="ctr">
-          <a:solidFill>
-            <a:schemeClr val="phClr"/>
-          </a:solidFill>
-          <a:prstDash val="solid"/>
-        </a:ln>
-        <a:ln w="38100" cap="flat" cmpd="sng" algn="ctr">
-          <a:solidFill>
-            <a:schemeClr val="phClr"/>
-          </a:solidFill>
-          <a:prstDash val="solid"/>
-        </a:ln>
-      </a:lnStyleLst>
-      <a:effectStyleLst>
-        <a:effectStyle>
-          <a:effectLst>
-            <a:outerShdw blurRad="40000" dist="20000" dir="5400000" rotWithShape="0">
-              <a:srgbClr val="000000">
-                <a:alpha val="38000"/>
-              </a:srgbClr>
-            </a:outerShdw>
-          </a:effectLst>
-        </a:effectStyle>
-        <a:effectStyle>
-          <a:effectLst>
-            <a:outerShdw blurRad="40000" dist="23000" dir="5400000" rotWithShape="0">
-              <a:srgbClr val="000000">
-                <a:alpha val="35000"/>
-              </a:srgbClr>
-            </a:outerShdw>
-          </a:effectLst>
-        </a:effectStyle>
-        <a:effectStyle>
-          <a:effectLst>
-            <a:outerShdw blurRad="40000" dist="23000" dir="5400000" rotWithShape="0">
-              <a:srgbClr val="000000">
-                <a:alpha val="35000"/>
-              </a:srgbClr>
-            </a:outerShdw>
-          </a:effectLst>
-          <a:scene3d>
-            <a:camera prst="orthographicFront">
-              <a:rot lat="0" lon="0" rev="0"/>
-            </a:camera>
-            <a:lightRig rig="threePt" dir="t">
-              <a:rot lat="0" lon="0" rev="1200000"/>
-            </a:lightRig>
-          </a:scene3d>
-          <a:sp3d>
-            <a:bevelT w="63500" h="25400"/>
-          </a:sp3d>
-        </a:effectStyle>
-      </a:effectStyleLst>
-      <a:bgFillStyleLst>
-        <a:solidFill>
-          <a:schemeClr val="phClr"/>
-        </a:solidFill>
-        <a:gradFill rotWithShape="1">
-          <a:gsLst>
-            <a:gs pos="0">
-              <a:schemeClr val="phClr">
-                <a:tint val="40000"/>
-                <a:satMod val="350000"/>
-              </a:schemeClr>
-            </a:gs>
-            <a:gs pos="40000">
-              <a:schemeClr val="phClr">
-                <a:tint val="45000"/>
-                <a:shade val="99000"/>
-                <a:satMod val="350000"/>
-              </a:schemeClr>
-            </a:gs>
-            <a:gs pos="100000">
-              <a:schemeClr val="phClr">
-                <a:shade val="20000"/>
-                <a:satMod val="255000"/>
-              </a:schemeClr>
-            </a:gs>
-          </a:gsLst>
-          <a:path path="circle">
-            <a:fillToRect l="50000" t="-80000" r="50000" b="180000"/>
-          </a:path>
-        </a:gradFill>
-        <a:gradFill rotWithShape="1">
-          <a:gsLst>
-            <a:gs pos="0">
-              <a:schemeClr val="phClr">
-                <a:tint val="80000"/>
-                <a:satMod val="300000"/>
-              </a:schemeClr>
-            </a:gs>
-            <a:gs pos="100000">
-              <a:schemeClr val="phClr">
-                <a:shade val="30000"/>
-                <a:satMod val="200000"/>
-              </a:schemeClr>
-            </a:gs>
-          </a:gsLst>
-          <a:path path="circle">
-            <a:fillToRect l="50000" t="50000" r="50000" b="50000"/>
-          </a:path>
-        </a:gradFill>
-      </a:bgFillStyleLst>
-    </a:fmtScheme>
-  </a:themeElements>
-</a:theme>
 </file>